--- a/Praesi.pptx
+++ b/Praesi.pptx
@@ -6,16 +6,19 @@
   </p:sldMasterIdLst>
   <p:sldIdLst>
     <p:sldId id="256" r:id="rId2"/>
-    <p:sldId id="258" r:id="rId3"/>
-    <p:sldId id="257" r:id="rId4"/>
-    <p:sldId id="259" r:id="rId5"/>
-    <p:sldId id="260" r:id="rId6"/>
-    <p:sldId id="261" r:id="rId7"/>
-    <p:sldId id="262" r:id="rId8"/>
-    <p:sldId id="263" r:id="rId9"/>
+    <p:sldId id="257" r:id="rId3"/>
+    <p:sldId id="259" r:id="rId4"/>
+    <p:sldId id="260" r:id="rId5"/>
+    <p:sldId id="261" r:id="rId6"/>
+    <p:sldId id="262" r:id="rId7"/>
+    <p:sldId id="263" r:id="rId8"/>
+    <p:sldId id="267" r:id="rId9"/>
     <p:sldId id="264" r:id="rId10"/>
     <p:sldId id="265" r:id="rId11"/>
     <p:sldId id="266" r:id="rId12"/>
+    <p:sldId id="269" r:id="rId13"/>
+    <p:sldId id="268" r:id="rId14"/>
+    <p:sldId id="270" r:id="rId15"/>
   </p:sldIdLst>
   <p:sldSz cx="9144000" cy="6858000" type="screen4x3"/>
   <p:notesSz cx="6858000" cy="9144000"/>
@@ -114,6 +117,11 @@
       </a:defRPr>
     </a:lvl9pPr>
   </p:defaultTextStyle>
+  <p:extLst>
+    <p:ext uri="{EFAFB233-063F-42B5-8137-9DF3F51BA10A}">
+      <p15:sldGuideLst xmlns:p15="http://schemas.microsoft.com/office/powerpoint/2012/main"/>
+    </p:ext>
+  </p:extLst>
 </p:presentation>
 </file>
 
@@ -633,7 +641,7 @@
           <a:p>
             <a:fld id="{48A87A34-81AB-432B-8DAE-1953F412C126}" type="datetimeFigureOut">
               <a:rPr lang="en-US" smtClean="0"/>
-              <a:t>3/22/2018</a:t>
+              <a:t>3/24/2018</a:t>
             </a:fld>
             <a:endParaRPr lang="en-US" dirty="0"/>
           </a:p>
@@ -734,7 +742,7 @@
           </a:ln>
           <a:extLst>
             <a:ext uri="{91240B29-F687-4f45-9708-019B960494DF}">
-              <a14:hiddenLine xmlns:a14="http://schemas.microsoft.com/office/drawing/2010/main" xmlns="" w="9525">
+              <a14:hiddenLine xmlns="" xmlns:a14="http://schemas.microsoft.com/office/drawing/2010/main" w="9525">
                 <a:solidFill>
                   <a:srgbClr val="000000"/>
                 </a:solidFill>
@@ -789,7 +797,7 @@
           </a:ln>
           <a:extLst>
             <a:ext uri="{91240B29-F687-4f45-9708-019B960494DF}">
-              <a14:hiddenLine xmlns:a14="http://schemas.microsoft.com/office/drawing/2010/main" xmlns="" w="9525">
+              <a14:hiddenLine xmlns="" xmlns:a14="http://schemas.microsoft.com/office/drawing/2010/main" w="9525">
                 <a:solidFill>
                   <a:srgbClr val="000000"/>
                 </a:solidFill>
@@ -1045,7 +1053,7 @@
             <a:fld id="{48A87A34-81AB-432B-8DAE-1953F412C126}" type="datetimeFigureOut">
               <a:rPr lang="en-US" smtClean="0"/>
               <a:pPr/>
-              <a:t>3/22/2018</a:t>
+              <a:t>3/24/2018</a:t>
             </a:fld>
             <a:endParaRPr lang="en-US" dirty="0"/>
           </a:p>
@@ -1295,7 +1303,7 @@
             <a:fld id="{48A87A34-81AB-432B-8DAE-1953F412C126}" type="datetimeFigureOut">
               <a:rPr lang="en-US" smtClean="0"/>
               <a:pPr/>
-              <a:t>3/22/2018</a:t>
+              <a:t>3/24/2018</a:t>
             </a:fld>
             <a:endParaRPr lang="en-US" dirty="0"/>
           </a:p>
@@ -1837,7 +1845,7 @@
             <a:fld id="{48A87A34-81AB-432B-8DAE-1953F412C126}" type="datetimeFigureOut">
               <a:rPr lang="en-US" smtClean="0"/>
               <a:pPr/>
-              <a:t>3/22/2018</a:t>
+              <a:t>3/24/2018</a:t>
             </a:fld>
             <a:endParaRPr lang="en-US" dirty="0"/>
           </a:p>
@@ -2087,7 +2095,7 @@
             <a:fld id="{48A87A34-81AB-432B-8DAE-1953F412C126}" type="datetimeFigureOut">
               <a:rPr lang="en-US" smtClean="0"/>
               <a:pPr/>
-              <a:t>3/22/2018</a:t>
+              <a:t>3/24/2018</a:t>
             </a:fld>
             <a:endParaRPr lang="en-US" dirty="0"/>
           </a:p>
@@ -2621,7 +2629,7 @@
             <a:fld id="{48A87A34-81AB-432B-8DAE-1953F412C126}" type="datetimeFigureOut">
               <a:rPr lang="en-US" smtClean="0"/>
               <a:pPr/>
-              <a:t>3/22/2018</a:t>
+              <a:t>3/24/2018</a:t>
             </a:fld>
             <a:endParaRPr lang="en-US" dirty="0"/>
           </a:p>
@@ -2920,7 +2928,7 @@
             <a:fld id="{48A87A34-81AB-432B-8DAE-1953F412C126}" type="datetimeFigureOut">
               <a:rPr lang="en-US" smtClean="0"/>
               <a:pPr/>
-              <a:t>3/22/2018</a:t>
+              <a:t>3/24/2018</a:t>
             </a:fld>
             <a:endParaRPr lang="en-US" dirty="0"/>
           </a:p>
@@ -3095,7 +3103,7 @@
           <a:p>
             <a:fld id="{48A87A34-81AB-432B-8DAE-1953F412C126}" type="datetimeFigureOut">
               <a:rPr lang="en-US" smtClean="0"/>
-              <a:t>3/22/2018</a:t>
+              <a:t>3/24/2018</a:t>
             </a:fld>
             <a:endParaRPr lang="en-US" dirty="0"/>
           </a:p>
@@ -3275,7 +3283,7 @@
           <a:p>
             <a:fld id="{48A87A34-81AB-432B-8DAE-1953F412C126}" type="datetimeFigureOut">
               <a:rPr lang="en-US" smtClean="0"/>
-              <a:t>3/22/2018</a:t>
+              <a:t>3/24/2018</a:t>
             </a:fld>
             <a:endParaRPr lang="en-US" dirty="0"/>
           </a:p>
@@ -3460,7 +3468,7 @@
           <a:p>
             <a:fld id="{48A87A34-81AB-432B-8DAE-1953F412C126}" type="datetimeFigureOut">
               <a:rPr lang="en-US" smtClean="0"/>
-              <a:t>3/22/2018</a:t>
+              <a:t>3/24/2018</a:t>
             </a:fld>
             <a:endParaRPr lang="en-US" dirty="0"/>
           </a:p>
@@ -3716,7 +3724,7 @@
           <a:p>
             <a:fld id="{48A87A34-81AB-432B-8DAE-1953F412C126}" type="datetimeFigureOut">
               <a:rPr lang="en-US" smtClean="0"/>
-              <a:t>3/22/2018</a:t>
+              <a:t>3/24/2018</a:t>
             </a:fld>
             <a:endParaRPr lang="en-US" dirty="0"/>
           </a:p>
@@ -4018,7 +4026,7 @@
           <a:p>
             <a:fld id="{48A87A34-81AB-432B-8DAE-1953F412C126}" type="datetimeFigureOut">
               <a:rPr lang="en-US" smtClean="0"/>
-              <a:t>3/22/2018</a:t>
+              <a:t>3/24/2018</a:t>
             </a:fld>
             <a:endParaRPr lang="en-US" dirty="0"/>
           </a:p>
@@ -4460,7 +4468,7 @@
           <a:p>
             <a:fld id="{48A87A34-81AB-432B-8DAE-1953F412C126}" type="datetimeFigureOut">
               <a:rPr lang="en-US" smtClean="0"/>
-              <a:t>3/22/2018</a:t>
+              <a:t>3/24/2018</a:t>
             </a:fld>
             <a:endParaRPr lang="en-US" dirty="0"/>
           </a:p>
@@ -4578,7 +4586,7 @@
           <a:p>
             <a:fld id="{48A87A34-81AB-432B-8DAE-1953F412C126}" type="datetimeFigureOut">
               <a:rPr lang="en-US" smtClean="0"/>
-              <a:t>3/22/2018</a:t>
+              <a:t>3/24/2018</a:t>
             </a:fld>
             <a:endParaRPr lang="en-US" dirty="0"/>
           </a:p>
@@ -4673,7 +4681,7 @@
           <a:p>
             <a:fld id="{48A87A34-81AB-432B-8DAE-1953F412C126}" type="datetimeFigureOut">
               <a:rPr lang="en-US" smtClean="0"/>
-              <a:t>3/22/2018</a:t>
+              <a:t>3/24/2018</a:t>
             </a:fld>
             <a:endParaRPr lang="en-US" dirty="0"/>
           </a:p>
@@ -4956,7 +4964,7 @@
           <a:p>
             <a:fld id="{48A87A34-81AB-432B-8DAE-1953F412C126}" type="datetimeFigureOut">
               <a:rPr lang="en-US" smtClean="0"/>
-              <a:t>3/22/2018</a:t>
+              <a:t>3/24/2018</a:t>
             </a:fld>
             <a:endParaRPr lang="en-US" dirty="0"/>
           </a:p>
@@ -5247,7 +5255,7 @@
           <a:p>
             <a:fld id="{48A87A34-81AB-432B-8DAE-1953F412C126}" type="datetimeFigureOut">
               <a:rPr lang="en-US" smtClean="0"/>
-              <a:t>3/22/2018</a:t>
+              <a:t>3/24/2018</a:t>
             </a:fld>
             <a:endParaRPr lang="en-US" dirty="0"/>
           </a:p>
@@ -5772,7 +5780,7 @@
             <a:fld id="{48A87A34-81AB-432B-8DAE-1953F412C126}" type="datetimeFigureOut">
               <a:rPr lang="en-US" smtClean="0"/>
               <a:pPr/>
-              <a:t>3/22/2018</a:t>
+              <a:t>3/24/2018</a:t>
             </a:fld>
             <a:endParaRPr lang="en-US" dirty="0"/>
           </a:p>
@@ -6327,21 +6335,8 @@
           <a:p>
             <a:r>
               <a:rPr lang="de-DE" dirty="0"/>
-              <a:t>Nachtsicht-IP-Kamera mit dem Raspberry PI und der </a:t>
-            </a:r>
-            <a:r>
-              <a:rPr lang="de-DE" dirty="0" err="1"/>
-              <a:t>NoIR</a:t>
-            </a:r>
-            <a:r>
-              <a:rPr lang="de-DE" dirty="0"/>
-              <a:t> </a:t>
-            </a:r>
-            <a:r>
-              <a:rPr lang="de-DE" dirty="0" err="1"/>
-              <a:t>Camera</a:t>
-            </a:r>
-            <a:endParaRPr lang="de-DE" dirty="0"/>
+              <a:t>Nachtsicht-IP-Kamera</a:t>
+            </a:r>
           </a:p>
         </p:txBody>
       </p:sp>
@@ -6366,10 +6361,56 @@
           <a:bodyPr/>
           <a:lstStyle/>
           <a:p>
+            <a:r>
+              <a:rPr lang="de-DE" dirty="0"/>
+              <a:t>mit dem Raspberry PI und der </a:t>
+            </a:r>
+            <a:r>
+              <a:rPr lang="de-DE" dirty="0" err="1"/>
+              <a:t>NoIR</a:t>
+            </a:r>
+            <a:r>
+              <a:rPr lang="de-DE" dirty="0"/>
+              <a:t> </a:t>
+            </a:r>
+            <a:r>
+              <a:rPr lang="de-DE" dirty="0" err="1"/>
+              <a:t>Camera</a:t>
+            </a:r>
             <a:endParaRPr lang="de-DE" dirty="0"/>
           </a:p>
         </p:txBody>
       </p:sp>
+      <p:pic>
+        <p:nvPicPr>
+          <p:cNvPr id="4" name="Grafik 3" descr="Ein Bild, das Gebäude, draußen, Baum enthält.&#10;&#10;Mit sehr hoher Zuverlässigkeit generierte Beschreibung">
+            <a:extLst>
+              <a:ext uri="{FF2B5EF4-FFF2-40B4-BE49-F238E27FC236}">
+                <a16:creationId xmlns:a16="http://schemas.microsoft.com/office/drawing/2014/main" id="{6B2C5779-70CC-49C6-8B4C-FA066A728D11}"/>
+              </a:ext>
+            </a:extLst>
+          </p:cNvPr>
+          <p:cNvPicPr>
+            <a:picLocks noChangeAspect="1"/>
+          </p:cNvPicPr>
+          <p:nvPr/>
+        </p:nvPicPr>
+        <p:blipFill>
+          <a:blip r:embed="rId2"/>
+          <a:stretch>
+            <a:fillRect/>
+          </a:stretch>
+        </p:blipFill>
+        <p:spPr>
+          <a:xfrm>
+            <a:off x="2662514" y="339853"/>
+            <a:ext cx="5436413" cy="3089147"/>
+          </a:xfrm>
+          <a:prstGeom prst="rect">
+            <a:avLst/>
+          </a:prstGeom>
+        </p:spPr>
+      </p:pic>
     </p:spTree>
     <p:extLst>
       <p:ext uri="{BB962C8B-B14F-4D97-AF65-F5344CB8AC3E}">
@@ -6441,12 +6482,14 @@
             <a:spLocks noGrp="1"/>
           </p:cNvSpPr>
           <p:nvPr>
-            <p:ph idx="1"/>
+            <p:ph type="body" idx="1"/>
           </p:nvPr>
         </p:nvSpPr>
         <p:spPr/>
         <p:txBody>
-          <a:bodyPr/>
+          <a:bodyPr>
+            <a:normAutofit fontScale="70000" lnSpcReduction="20000"/>
+          </a:bodyPr>
           <a:lstStyle/>
           <a:p>
             <a:r>
@@ -6539,6 +6582,88 @@
             <a:spLocks noGrp="1"/>
           </p:cNvSpPr>
           <p:nvPr>
+            <p:ph type="body" idx="1"/>
+          </p:nvPr>
+        </p:nvSpPr>
+        <p:spPr/>
+        <p:txBody>
+          <a:bodyPr>
+            <a:normAutofit/>
+          </a:bodyPr>
+          <a:lstStyle/>
+          <a:p>
+            <a:endParaRPr lang="de-DE" dirty="0"/>
+          </a:p>
+        </p:txBody>
+      </p:sp>
+    </p:spTree>
+    <p:extLst>
+      <p:ext uri="{BB962C8B-B14F-4D97-AF65-F5344CB8AC3E}">
+        <p14:creationId xmlns:p14="http://schemas.microsoft.com/office/powerpoint/2010/main" val="3365045725"/>
+      </p:ext>
+    </p:extLst>
+  </p:cSld>
+  <p:clrMapOvr>
+    <a:masterClrMapping/>
+  </p:clrMapOvr>
+</p:sld>
+</file>
+
+<file path=ppt/slides/slide12.xml><?xml version="1.0" encoding="utf-8"?>
+<p:sld xmlns:a="http://schemas.openxmlformats.org/drawingml/2006/main" xmlns:r="http://schemas.openxmlformats.org/officeDocument/2006/relationships" xmlns:p="http://schemas.openxmlformats.org/presentationml/2006/main">
+  <p:cSld>
+    <p:spTree>
+      <p:nvGrpSpPr>
+        <p:cNvPr id="1" name=""/>
+        <p:cNvGrpSpPr/>
+        <p:nvPr/>
+      </p:nvGrpSpPr>
+      <p:grpSpPr>
+        <a:xfrm>
+          <a:off x="0" y="0"/>
+          <a:ext cx="0" cy="0"/>
+          <a:chOff x="0" y="0"/>
+          <a:chExt cx="0" cy="0"/>
+        </a:xfrm>
+      </p:grpSpPr>
+      <p:sp>
+        <p:nvSpPr>
+          <p:cNvPr id="4" name="Titel 3">
+            <a:extLst>
+              <a:ext uri="{FF2B5EF4-FFF2-40B4-BE49-F238E27FC236}">
+                <a16:creationId xmlns:a16="http://schemas.microsoft.com/office/drawing/2014/main" id="{53AFA258-48B4-415E-8213-6C2A8A883C96}"/>
+              </a:ext>
+            </a:extLst>
+          </p:cNvPr>
+          <p:cNvSpPr>
+            <a:spLocks noGrp="1"/>
+          </p:cNvSpPr>
+          <p:nvPr>
+            <p:ph type="title"/>
+          </p:nvPr>
+        </p:nvSpPr>
+        <p:spPr/>
+        <p:txBody>
+          <a:bodyPr/>
+          <a:lstStyle/>
+          <a:p>
+            <a:endParaRPr lang="de-DE"/>
+          </a:p>
+        </p:txBody>
+      </p:sp>
+      <p:sp>
+        <p:nvSpPr>
+          <p:cNvPr id="5" name="Inhaltsplatzhalter 4">
+            <a:extLst>
+              <a:ext uri="{FF2B5EF4-FFF2-40B4-BE49-F238E27FC236}">
+                <a16:creationId xmlns:a16="http://schemas.microsoft.com/office/drawing/2014/main" id="{71185718-95F2-4F60-84CC-A09A750D7FDD}"/>
+              </a:ext>
+            </a:extLst>
+          </p:cNvPr>
+          <p:cNvSpPr>
+            <a:spLocks noGrp="1"/>
+          </p:cNvSpPr>
+          <p:nvPr>
             <p:ph idx="1"/>
           </p:nvPr>
         </p:nvSpPr>
@@ -6619,7 +6744,326 @@
     </p:spTree>
     <p:extLst>
       <p:ext uri="{BB962C8B-B14F-4D97-AF65-F5344CB8AC3E}">
-        <p14:creationId xmlns:p14="http://schemas.microsoft.com/office/powerpoint/2010/main" val="3365045725"/>
+        <p14:creationId xmlns:p14="http://schemas.microsoft.com/office/powerpoint/2010/main" val="4254421984"/>
+      </p:ext>
+    </p:extLst>
+  </p:cSld>
+  <p:clrMapOvr>
+    <a:masterClrMapping/>
+  </p:clrMapOvr>
+</p:sld>
+</file>
+
+<file path=ppt/slides/slide13.xml><?xml version="1.0" encoding="utf-8"?>
+<p:sld xmlns:a="http://schemas.openxmlformats.org/drawingml/2006/main" xmlns:r="http://schemas.openxmlformats.org/officeDocument/2006/relationships" xmlns:p="http://schemas.openxmlformats.org/presentationml/2006/main">
+  <p:cSld>
+    <p:spTree>
+      <p:nvGrpSpPr>
+        <p:cNvPr id="1" name=""/>
+        <p:cNvGrpSpPr/>
+        <p:nvPr/>
+      </p:nvGrpSpPr>
+      <p:grpSpPr>
+        <a:xfrm>
+          <a:off x="0" y="0"/>
+          <a:ext cx="0" cy="0"/>
+          <a:chOff x="0" y="0"/>
+          <a:chExt cx="0" cy="0"/>
+        </a:xfrm>
+      </p:grpSpPr>
+      <p:sp>
+        <p:nvSpPr>
+          <p:cNvPr id="2" name="Titel 1">
+            <a:extLst>
+              <a:ext uri="{FF2B5EF4-FFF2-40B4-BE49-F238E27FC236}">
+                <a16:creationId xmlns:a16="http://schemas.microsoft.com/office/drawing/2014/main" id="{C80E8406-56F2-4437-8DB7-35C5CFCEFB81}"/>
+              </a:ext>
+            </a:extLst>
+          </p:cNvPr>
+          <p:cNvSpPr>
+            <a:spLocks noGrp="1"/>
+          </p:cNvSpPr>
+          <p:nvPr>
+            <p:ph type="title"/>
+          </p:nvPr>
+        </p:nvSpPr>
+        <p:spPr/>
+        <p:txBody>
+          <a:bodyPr/>
+          <a:lstStyle/>
+          <a:p>
+            <a:r>
+              <a:rPr lang="de-DE" dirty="0"/>
+              <a:t>Autarke Kamera</a:t>
+            </a:r>
+          </a:p>
+        </p:txBody>
+      </p:sp>
+      <p:sp>
+        <p:nvSpPr>
+          <p:cNvPr id="3" name="Inhaltsplatzhalter 2">
+            <a:extLst>
+              <a:ext uri="{FF2B5EF4-FFF2-40B4-BE49-F238E27FC236}">
+                <a16:creationId xmlns:a16="http://schemas.microsoft.com/office/drawing/2014/main" id="{B9D88B05-EBF9-4D99-8735-C05643920F33}"/>
+              </a:ext>
+            </a:extLst>
+          </p:cNvPr>
+          <p:cNvSpPr>
+            <a:spLocks noGrp="1"/>
+          </p:cNvSpPr>
+          <p:nvPr>
+            <p:ph idx="1"/>
+          </p:nvPr>
+        </p:nvSpPr>
+        <p:spPr>
+          <a:xfrm>
+            <a:off x="982133" y="4725244"/>
+            <a:ext cx="7704667" cy="1274571"/>
+          </a:xfrm>
+        </p:spPr>
+        <p:txBody>
+          <a:bodyPr/>
+          <a:lstStyle/>
+          <a:p>
+            <a:r>
+              <a:rPr lang="de-DE" dirty="0">
+                <a:hlinkClick r:id="rId2"/>
+              </a:rPr>
+              <a:t>http://raspi.tv/2018/how-much-power-does-raspberry-pi-3b-use-power-measurements</a:t>
+            </a:r>
+            <a:r>
+              <a:rPr lang="de-DE" dirty="0"/>
+              <a:t>, 24.03.2018</a:t>
+            </a:r>
+          </a:p>
+        </p:txBody>
+      </p:sp>
+      <p:pic>
+        <p:nvPicPr>
+          <p:cNvPr id="5" name="Grafik 4" descr="Ein Bild, das Schreibgerät, Briefpapier, Bleistift, Markierstift enthält.&#10;&#10;Mit sehr hoher Zuverlässigkeit generierte Beschreibung">
+            <a:extLst>
+              <a:ext uri="{FF2B5EF4-FFF2-40B4-BE49-F238E27FC236}">
+                <a16:creationId xmlns:a16="http://schemas.microsoft.com/office/drawing/2014/main" id="{CB20772E-AB89-4ED4-8497-9F1F6A8A63B7}"/>
+              </a:ext>
+            </a:extLst>
+          </p:cNvPr>
+          <p:cNvPicPr>
+            <a:picLocks noChangeAspect="1"/>
+          </p:cNvPicPr>
+          <p:nvPr/>
+        </p:nvPicPr>
+        <p:blipFill>
+          <a:blip r:embed="rId3"/>
+          <a:stretch>
+            <a:fillRect/>
+          </a:stretch>
+        </p:blipFill>
+        <p:spPr>
+          <a:xfrm>
+            <a:off x="982133" y="1814963"/>
+            <a:ext cx="4708453" cy="2464581"/>
+          </a:xfrm>
+          <a:prstGeom prst="rect">
+            <a:avLst/>
+          </a:prstGeom>
+        </p:spPr>
+      </p:pic>
+      <p:pic>
+        <p:nvPicPr>
+          <p:cNvPr id="7" name="Grafik 6" descr="Ein Bild, das Wand, Himmel, drinnen enthält.&#10;&#10;Mit hoher Zuverlässigkeit generierte Beschreibung">
+            <a:extLst>
+              <a:ext uri="{FF2B5EF4-FFF2-40B4-BE49-F238E27FC236}">
+                <a16:creationId xmlns:a16="http://schemas.microsoft.com/office/drawing/2014/main" id="{6C258980-CB60-4A3F-96EE-A03F5E48CB26}"/>
+              </a:ext>
+            </a:extLst>
+          </p:cNvPr>
+          <p:cNvPicPr>
+            <a:picLocks noChangeAspect="1"/>
+          </p:cNvPicPr>
+          <p:nvPr/>
+        </p:nvPicPr>
+        <p:blipFill>
+          <a:blip r:embed="rId4"/>
+          <a:stretch>
+            <a:fillRect/>
+          </a:stretch>
+        </p:blipFill>
+        <p:spPr>
+          <a:xfrm>
+            <a:off x="3444536" y="272542"/>
+            <a:ext cx="5495278" cy="1175259"/>
+          </a:xfrm>
+          <a:prstGeom prst="rect">
+            <a:avLst/>
+          </a:prstGeom>
+        </p:spPr>
+      </p:pic>
+      <p:sp>
+        <p:nvSpPr>
+          <p:cNvPr id="8" name="Ellipse 7">
+            <a:extLst>
+              <a:ext uri="{FF2B5EF4-FFF2-40B4-BE49-F238E27FC236}">
+                <a16:creationId xmlns:a16="http://schemas.microsoft.com/office/drawing/2014/main" id="{10A39DF5-5A35-49F7-B792-1200EEA7A35D}"/>
+              </a:ext>
+            </a:extLst>
+          </p:cNvPr>
+          <p:cNvSpPr/>
+          <p:nvPr/>
+        </p:nvSpPr>
+        <p:spPr>
+          <a:xfrm>
+            <a:off x="5366551" y="1150024"/>
+            <a:ext cx="648070" cy="381740"/>
+          </a:xfrm>
+          <a:prstGeom prst="ellipse">
+            <a:avLst/>
+          </a:prstGeom>
+          <a:solidFill>
+            <a:schemeClr val="accent1">
+              <a:alpha val="50000"/>
+            </a:schemeClr>
+          </a:solidFill>
+          <a:ln>
+            <a:noFill/>
+          </a:ln>
+        </p:spPr>
+        <p:style>
+          <a:lnRef idx="0">
+            <a:scrgbClr r="0" g="0" b="0"/>
+          </a:lnRef>
+          <a:fillRef idx="0">
+            <a:scrgbClr r="0" g="0" b="0"/>
+          </a:fillRef>
+          <a:effectRef idx="0">
+            <a:scrgbClr r="0" g="0" b="0"/>
+          </a:effectRef>
+          <a:fontRef idx="minor">
+            <a:schemeClr val="lt1"/>
+          </a:fontRef>
+        </p:style>
+        <p:txBody>
+          <a:bodyPr rtlCol="0" anchor="ctr"/>
+          <a:lstStyle/>
+          <a:p>
+            <a:pPr algn="ctr"/>
+            <a:endParaRPr lang="de-DE"/>
+          </a:p>
+        </p:txBody>
+      </p:sp>
+    </p:spTree>
+    <p:extLst>
+      <p:ext uri="{BB962C8B-B14F-4D97-AF65-F5344CB8AC3E}">
+        <p14:creationId xmlns:p14="http://schemas.microsoft.com/office/powerpoint/2010/main" val="440212422"/>
+      </p:ext>
+    </p:extLst>
+  </p:cSld>
+  <p:clrMapOvr>
+    <a:masterClrMapping/>
+  </p:clrMapOvr>
+</p:sld>
+</file>
+
+<file path=ppt/slides/slide14.xml><?xml version="1.0" encoding="utf-8"?>
+<p:sld xmlns:a="http://schemas.openxmlformats.org/drawingml/2006/main" xmlns:r="http://schemas.openxmlformats.org/officeDocument/2006/relationships" xmlns:p="http://schemas.openxmlformats.org/presentationml/2006/main">
+  <p:cSld>
+    <p:spTree>
+      <p:nvGrpSpPr>
+        <p:cNvPr id="1" name=""/>
+        <p:cNvGrpSpPr/>
+        <p:nvPr/>
+      </p:nvGrpSpPr>
+      <p:grpSpPr>
+        <a:xfrm>
+          <a:off x="0" y="0"/>
+          <a:ext cx="0" cy="0"/>
+          <a:chOff x="0" y="0"/>
+          <a:chExt cx="0" cy="0"/>
+        </a:xfrm>
+      </p:grpSpPr>
+      <p:sp>
+        <p:nvSpPr>
+          <p:cNvPr id="2" name="Titel 1">
+            <a:extLst>
+              <a:ext uri="{FF2B5EF4-FFF2-40B4-BE49-F238E27FC236}">
+                <a16:creationId xmlns:a16="http://schemas.microsoft.com/office/drawing/2014/main" id="{4CB9FE7B-D289-4C4E-A02F-1B21BC5C4A55}"/>
+              </a:ext>
+            </a:extLst>
+          </p:cNvPr>
+          <p:cNvSpPr>
+            <a:spLocks noGrp="1"/>
+          </p:cNvSpPr>
+          <p:nvPr>
+            <p:ph type="title"/>
+          </p:nvPr>
+        </p:nvSpPr>
+        <p:spPr/>
+        <p:txBody>
+          <a:bodyPr/>
+          <a:lstStyle/>
+          <a:p>
+            <a:r>
+              <a:rPr lang="de-DE" dirty="0"/>
+              <a:t>Autarke Kamera</a:t>
+            </a:r>
+          </a:p>
+        </p:txBody>
+      </p:sp>
+      <p:sp>
+        <p:nvSpPr>
+          <p:cNvPr id="3" name="Inhaltsplatzhalter 2">
+            <a:extLst>
+              <a:ext uri="{FF2B5EF4-FFF2-40B4-BE49-F238E27FC236}">
+                <a16:creationId xmlns:a16="http://schemas.microsoft.com/office/drawing/2014/main" id="{B5694DC7-A406-431C-8278-EBDAC6567180}"/>
+              </a:ext>
+            </a:extLst>
+          </p:cNvPr>
+          <p:cNvSpPr>
+            <a:spLocks noGrp="1"/>
+          </p:cNvSpPr>
+          <p:nvPr>
+            <p:ph idx="1"/>
+          </p:nvPr>
+        </p:nvSpPr>
+        <p:spPr/>
+        <p:txBody>
+          <a:bodyPr/>
+          <a:lstStyle/>
+          <a:p>
+            <a:r>
+              <a:rPr lang="de-DE" dirty="0"/>
+              <a:t>Powerbank 13000mAh für 30€</a:t>
+            </a:r>
+          </a:p>
+          <a:p>
+            <a:r>
+              <a:rPr lang="de-DE" dirty="0"/>
+              <a:t>Theoretisch &gt;50h Videoaufnahme mit Pi </a:t>
+            </a:r>
+            <a:r>
+              <a:rPr lang="de-DE" dirty="0" err="1"/>
+              <a:t>zero</a:t>
+            </a:r>
+            <a:endParaRPr lang="de-DE" dirty="0"/>
+          </a:p>
+          <a:p>
+            <a:r>
+              <a:rPr lang="de-DE" dirty="0">
+                <a:highlight>
+                  <a:srgbClr val="FFFF00"/>
+                </a:highlight>
+              </a:rPr>
+              <a:t>Längere Laufzeit, wenn nicht dauerhaft aufgezeichnet wird????</a:t>
+            </a:r>
+          </a:p>
+          <a:p>
+            <a:endParaRPr lang="de-DE" dirty="0"/>
+          </a:p>
+        </p:txBody>
+      </p:sp>
+    </p:spTree>
+    <p:extLst>
+      <p:ext uri="{BB962C8B-B14F-4D97-AF65-F5344CB8AC3E}">
+        <p14:creationId xmlns:p14="http://schemas.microsoft.com/office/powerpoint/2010/main" val="3977960975"/>
       </p:ext>
     </p:extLst>
   </p:cSld>
@@ -6651,7 +7095,7 @@
           <p:cNvPr id="2" name="Titel 1">
             <a:extLst>
               <a:ext uri="{FF2B5EF4-FFF2-40B4-BE49-F238E27FC236}">
-                <a16:creationId xmlns:a16="http://schemas.microsoft.com/office/drawing/2014/main" id="{0FF982CB-0DC2-488E-A23C-C6EF1C0BB245}"/>
+                <a16:creationId xmlns:a16="http://schemas.microsoft.com/office/drawing/2014/main" id="{D918C704-DA6A-4212-A038-518EF2D55933}"/>
               </a:ext>
             </a:extLst>
           </p:cNvPr>
@@ -6667,19 +7111,24 @@
           <a:bodyPr/>
           <a:lstStyle/>
           <a:p>
+            <a:pPr>
+              <a:tabLst>
+                <a:tab pos="3319463" algn="l"/>
+              </a:tabLst>
+            </a:pPr>
             <a:r>
               <a:rPr lang="de-DE" dirty="0"/>
-              <a:t>Paranormal GIF</a:t>
-            </a:r>
-          </a:p>
-        </p:txBody>
-      </p:sp>
-      <p:sp>
-        <p:nvSpPr>
-          <p:cNvPr id="3" name="Inhaltsplatzhalter 2">
+              <a:t>Agenda</a:t>
+            </a:r>
+          </a:p>
+        </p:txBody>
+      </p:sp>
+      <p:sp>
+        <p:nvSpPr>
+          <p:cNvPr id="4" name="Textplatzhalter 3">
             <a:extLst>
               <a:ext uri="{FF2B5EF4-FFF2-40B4-BE49-F238E27FC236}">
-                <a16:creationId xmlns:a16="http://schemas.microsoft.com/office/drawing/2014/main" id="{1EFDB380-7AE2-4BE4-9D05-8C895C6123A3}"/>
+                <a16:creationId xmlns:a16="http://schemas.microsoft.com/office/drawing/2014/main" id="{817DBAB0-F802-456D-A4FF-FC02C974D420}"/>
               </a:ext>
             </a:extLst>
           </p:cNvPr>
@@ -6687,7 +7136,7 @@
             <a:spLocks noGrp="1"/>
           </p:cNvSpPr>
           <p:nvPr>
-            <p:ph idx="1"/>
+            <p:ph type="body" idx="1"/>
           </p:nvPr>
         </p:nvSpPr>
         <p:spPr/>
@@ -6702,7 +7151,7 @@
     </p:spTree>
     <p:extLst>
       <p:ext uri="{BB962C8B-B14F-4D97-AF65-F5344CB8AC3E}">
-        <p14:creationId xmlns:p14="http://schemas.microsoft.com/office/powerpoint/2010/main" val="1175539759"/>
+        <p14:creationId xmlns:p14="http://schemas.microsoft.com/office/powerpoint/2010/main" val="308556309"/>
       </p:ext>
     </p:extLst>
   </p:cSld>
@@ -6734,7 +7183,7 @@
           <p:cNvPr id="2" name="Titel 1">
             <a:extLst>
               <a:ext uri="{FF2B5EF4-FFF2-40B4-BE49-F238E27FC236}">
-                <a16:creationId xmlns:a16="http://schemas.microsoft.com/office/drawing/2014/main" id="{D918C704-DA6A-4212-A038-518EF2D55933}"/>
+                <a16:creationId xmlns:a16="http://schemas.microsoft.com/office/drawing/2014/main" id="{CDEF88FC-B0D5-490C-97E3-687DD99CAA5A}"/>
               </a:ext>
             </a:extLst>
           </p:cNvPr>
@@ -6750,14 +7199,9 @@
           <a:bodyPr/>
           <a:lstStyle/>
           <a:p>
-            <a:pPr>
-              <a:tabLst>
-                <a:tab pos="3319463" algn="l"/>
-              </a:tabLst>
-            </a:pPr>
             <a:r>
               <a:rPr lang="de-DE" dirty="0"/>
-              <a:t>Agenda</a:t>
+              <a:t>Grundlagen</a:t>
             </a:r>
           </a:p>
         </p:txBody>
@@ -6767,7 +7211,7 @@
           <p:cNvPr id="3" name="Inhaltsplatzhalter 2">
             <a:extLst>
               <a:ext uri="{FF2B5EF4-FFF2-40B4-BE49-F238E27FC236}">
-                <a16:creationId xmlns:a16="http://schemas.microsoft.com/office/drawing/2014/main" id="{E53B7310-6BD3-410B-BD9B-9E1AF72E1F5A}"/>
+                <a16:creationId xmlns:a16="http://schemas.microsoft.com/office/drawing/2014/main" id="{5503C0FB-8FF8-4607-81FD-E6F98703BC06}"/>
               </a:ext>
             </a:extLst>
           </p:cNvPr>
@@ -6775,7 +7219,7 @@
             <a:spLocks noGrp="1"/>
           </p:cNvSpPr>
           <p:nvPr>
-            <p:ph idx="1"/>
+            <p:ph type="body" idx="1"/>
           </p:nvPr>
         </p:nvSpPr>
         <p:spPr/>
@@ -6783,6 +7227,16 @@
           <a:bodyPr/>
           <a:lstStyle/>
           <a:p>
+            <a:r>
+              <a:rPr lang="de-DE" dirty="0"/>
+              <a:t>Spektrum Wellen IR &lt;-&gt; UV</a:t>
+            </a:r>
+          </a:p>
+          <a:p>
+            <a:r>
+              <a:rPr lang="de-DE" dirty="0" err="1"/>
+              <a:t>Motiondetection</a:t>
+            </a:r>
             <a:endParaRPr lang="de-DE" dirty="0"/>
           </a:p>
         </p:txBody>
@@ -6790,7 +7244,7 @@
     </p:spTree>
     <p:extLst>
       <p:ext uri="{BB962C8B-B14F-4D97-AF65-F5344CB8AC3E}">
-        <p14:creationId xmlns:p14="http://schemas.microsoft.com/office/powerpoint/2010/main" val="308556309"/>
+        <p14:creationId xmlns:p14="http://schemas.microsoft.com/office/powerpoint/2010/main" val="3644380485"/>
       </p:ext>
     </p:extLst>
   </p:cSld>
@@ -6822,7 +7276,7 @@
           <p:cNvPr id="2" name="Titel 1">
             <a:extLst>
               <a:ext uri="{FF2B5EF4-FFF2-40B4-BE49-F238E27FC236}">
-                <a16:creationId xmlns:a16="http://schemas.microsoft.com/office/drawing/2014/main" id="{CDEF88FC-B0D5-490C-97E3-687DD99CAA5A}"/>
+                <a16:creationId xmlns:a16="http://schemas.microsoft.com/office/drawing/2014/main" id="{E65F9C6E-5E8E-478B-B8ED-4C0E21060F3E}"/>
               </a:ext>
             </a:extLst>
           </p:cNvPr>
@@ -6840,7 +7294,7 @@
           <a:p>
             <a:r>
               <a:rPr lang="de-DE" dirty="0"/>
-              <a:t>Grundlagen</a:t>
+              <a:t>Marktanalyse</a:t>
             </a:r>
           </a:p>
         </p:txBody>
@@ -6850,7 +7304,7 @@
           <p:cNvPr id="3" name="Inhaltsplatzhalter 2">
             <a:extLst>
               <a:ext uri="{FF2B5EF4-FFF2-40B4-BE49-F238E27FC236}">
-                <a16:creationId xmlns:a16="http://schemas.microsoft.com/office/drawing/2014/main" id="{5503C0FB-8FF8-4607-81FD-E6F98703BC06}"/>
+                <a16:creationId xmlns:a16="http://schemas.microsoft.com/office/drawing/2014/main" id="{A83F4847-D372-4F69-B1BA-6DC8E546BEC2}"/>
               </a:ext>
             </a:extLst>
           </p:cNvPr>
@@ -6858,32 +7312,55 @@
             <a:spLocks noGrp="1"/>
           </p:cNvSpPr>
           <p:nvPr>
-            <p:ph idx="1"/>
+            <p:ph type="body" idx="1"/>
           </p:nvPr>
         </p:nvSpPr>
         <p:spPr/>
         <p:txBody>
-          <a:bodyPr/>
+          <a:bodyPr>
+            <a:normAutofit fontScale="32500" lnSpcReduction="20000"/>
+          </a:bodyPr>
           <a:lstStyle/>
           <a:p>
             <a:r>
               <a:rPr lang="de-DE" dirty="0"/>
-              <a:t>Spektrum Wellen IR &lt;-&gt; UV</a:t>
-            </a:r>
-          </a:p>
-          <a:p>
-            <a:r>
-              <a:rPr lang="de-DE" dirty="0" err="1"/>
-              <a:t>Motiondetection</a:t>
-            </a:r>
-            <a:endParaRPr lang="de-DE" dirty="0"/>
+              <a:t>Kommerzielle Produkte:</a:t>
+            </a:r>
+          </a:p>
+          <a:p>
+            <a:pPr lvl="1"/>
+            <a:r>
+              <a:rPr lang="de-DE" dirty="0"/>
+              <a:t>Funktion</a:t>
+            </a:r>
+          </a:p>
+          <a:p>
+            <a:pPr lvl="1"/>
+            <a:r>
+              <a:rPr lang="de-DE" dirty="0"/>
+              <a:t>Auflösung</a:t>
+            </a:r>
+          </a:p>
+          <a:p>
+            <a:pPr lvl="1"/>
+            <a:r>
+              <a:rPr lang="de-DE" dirty="0"/>
+              <a:t>Einbindung / Konfigurationsmöglichkeiten</a:t>
+            </a:r>
+          </a:p>
+          <a:p>
+            <a:pPr lvl="1"/>
+            <a:r>
+              <a:rPr lang="de-DE" dirty="0"/>
+              <a:t>Preis</a:t>
+            </a:r>
           </a:p>
         </p:txBody>
       </p:sp>
     </p:spTree>
     <p:extLst>
       <p:ext uri="{BB962C8B-B14F-4D97-AF65-F5344CB8AC3E}">
-        <p14:creationId xmlns:p14="http://schemas.microsoft.com/office/powerpoint/2010/main" val="3644380485"/>
+        <p14:creationId xmlns:p14="http://schemas.microsoft.com/office/powerpoint/2010/main" val="1516649320"/>
       </p:ext>
     </p:extLst>
   </p:cSld>
@@ -6915,7 +7392,7 @@
           <p:cNvPr id="2" name="Titel 1">
             <a:extLst>
               <a:ext uri="{FF2B5EF4-FFF2-40B4-BE49-F238E27FC236}">
-                <a16:creationId xmlns:a16="http://schemas.microsoft.com/office/drawing/2014/main" id="{E65F9C6E-5E8E-478B-B8ED-4C0E21060F3E}"/>
+                <a16:creationId xmlns:a16="http://schemas.microsoft.com/office/drawing/2014/main" id="{687FB2B0-7D42-4222-A8BF-87058E78FB21}"/>
               </a:ext>
             </a:extLst>
           </p:cNvPr>
@@ -6933,7 +7410,7 @@
           <a:p>
             <a:r>
               <a:rPr lang="de-DE" dirty="0"/>
-              <a:t>Marktanalyse</a:t>
+              <a:t>Verwendete Bauteile</a:t>
             </a:r>
           </a:p>
         </p:txBody>
@@ -6943,7 +7420,7 @@
           <p:cNvPr id="3" name="Inhaltsplatzhalter 2">
             <a:extLst>
               <a:ext uri="{FF2B5EF4-FFF2-40B4-BE49-F238E27FC236}">
-                <a16:creationId xmlns:a16="http://schemas.microsoft.com/office/drawing/2014/main" id="{A83F4847-D372-4F69-B1BA-6DC8E546BEC2}"/>
+                <a16:creationId xmlns:a16="http://schemas.microsoft.com/office/drawing/2014/main" id="{DF576A3D-493F-4998-AEA7-91B7C7E51590}"/>
               </a:ext>
             </a:extLst>
           </p:cNvPr>
@@ -6951,53 +7428,67 @@
             <a:spLocks noGrp="1"/>
           </p:cNvSpPr>
           <p:nvPr>
-            <p:ph idx="1"/>
+            <p:ph type="body" idx="1"/>
           </p:nvPr>
         </p:nvSpPr>
         <p:spPr/>
         <p:txBody>
-          <a:bodyPr/>
+          <a:bodyPr>
+            <a:normAutofit fontScale="40000" lnSpcReduction="20000"/>
+          </a:bodyPr>
           <a:lstStyle/>
           <a:p>
             <a:r>
               <a:rPr lang="de-DE" dirty="0"/>
-              <a:t>Kommerzielle Produkte:</a:t>
-            </a:r>
-          </a:p>
-          <a:p>
-            <a:pPr lvl="1"/>
+              <a:t>Raspberry Pi</a:t>
+            </a:r>
+          </a:p>
+          <a:p>
             <a:r>
               <a:rPr lang="de-DE" dirty="0"/>
-              <a:t>Funktion</a:t>
-            </a:r>
-          </a:p>
-          <a:p>
-            <a:pPr lvl="1"/>
+              <a:t>Kamera (IR vs. </a:t>
+            </a:r>
+            <a:r>
+              <a:rPr lang="de-DE" dirty="0" err="1"/>
+              <a:t>NoIR</a:t>
+            </a:r>
             <a:r>
               <a:rPr lang="de-DE" dirty="0"/>
-              <a:t>Auflösung</a:t>
-            </a:r>
-          </a:p>
-          <a:p>
-            <a:pPr lvl="1"/>
+              <a:t>)</a:t>
+            </a:r>
+          </a:p>
+          <a:p>
             <a:r>
               <a:rPr lang="de-DE" dirty="0"/>
-              <a:t>Einbindung / Konfigurationsmöglichkeiten</a:t>
-            </a:r>
-          </a:p>
-          <a:p>
-            <a:pPr lvl="1"/>
+              <a:t>Motion &amp; </a:t>
+            </a:r>
+            <a:r>
+              <a:rPr lang="de-DE" dirty="0" err="1"/>
+              <a:t>motioneyeOS</a:t>
+            </a:r>
+            <a:endParaRPr lang="de-DE" dirty="0"/>
+          </a:p>
+          <a:p>
             <a:r>
               <a:rPr lang="de-DE" dirty="0"/>
-              <a:t>Preis</a:t>
-            </a:r>
+              <a:t>Ggf. alternatives OS oder Installation auf Raspbian (</a:t>
+            </a:r>
+            <a:r>
+              <a:rPr lang="de-DE" dirty="0" err="1"/>
+              <a:t>apt-get</a:t>
+            </a:r>
+            <a:r>
+              <a:rPr lang="de-DE"/>
+              <a:t>)</a:t>
+            </a:r>
+            <a:endParaRPr lang="de-DE" dirty="0"/>
           </a:p>
         </p:txBody>
       </p:sp>
     </p:spTree>
     <p:extLst>
       <p:ext uri="{BB962C8B-B14F-4D97-AF65-F5344CB8AC3E}">
-        <p14:creationId xmlns:p14="http://schemas.microsoft.com/office/powerpoint/2010/main" val="1516649320"/>
+        <p14:creationId xmlns:p14="http://schemas.microsoft.com/office/powerpoint/2010/main" val="1419194294"/>
       </p:ext>
     </p:extLst>
   </p:cSld>
@@ -7029,7 +7520,7 @@
           <p:cNvPr id="2" name="Titel 1">
             <a:extLst>
               <a:ext uri="{FF2B5EF4-FFF2-40B4-BE49-F238E27FC236}">
-                <a16:creationId xmlns:a16="http://schemas.microsoft.com/office/drawing/2014/main" id="{687FB2B0-7D42-4222-A8BF-87058E78FB21}"/>
+                <a16:creationId xmlns:a16="http://schemas.microsoft.com/office/drawing/2014/main" id="{CF0B3664-F093-47B2-82CD-A59EC86FBF22}"/>
               </a:ext>
             </a:extLst>
           </p:cNvPr>
@@ -7047,7 +7538,7 @@
           <a:p>
             <a:r>
               <a:rPr lang="de-DE" dirty="0"/>
-              <a:t>Verwendete Bauteile</a:t>
+              <a:t>DEMO</a:t>
             </a:r>
           </a:p>
         </p:txBody>
@@ -7057,7 +7548,7 @@
           <p:cNvPr id="3" name="Inhaltsplatzhalter 2">
             <a:extLst>
               <a:ext uri="{FF2B5EF4-FFF2-40B4-BE49-F238E27FC236}">
-                <a16:creationId xmlns:a16="http://schemas.microsoft.com/office/drawing/2014/main" id="{DF576A3D-493F-4998-AEA7-91B7C7E51590}"/>
+                <a16:creationId xmlns:a16="http://schemas.microsoft.com/office/drawing/2014/main" id="{B10EEEFB-99D4-434C-9ED4-BE68AC8100C1}"/>
               </a:ext>
             </a:extLst>
           </p:cNvPr>
@@ -7065,7 +7556,7 @@
             <a:spLocks noGrp="1"/>
           </p:cNvSpPr>
           <p:nvPr>
-            <p:ph idx="1"/>
+            <p:ph type="body" idx="1"/>
           </p:nvPr>
         </p:nvSpPr>
         <p:spPr/>
@@ -7075,55 +7566,15 @@
           <a:p>
             <a:r>
               <a:rPr lang="de-DE" dirty="0"/>
-              <a:t>Raspberry Pi</a:t>
-            </a:r>
-          </a:p>
-          <a:p>
-            <a:r>
-              <a:rPr lang="de-DE" dirty="0"/>
-              <a:t>Kamera (IR vs. </a:t>
-            </a:r>
-            <a:r>
-              <a:rPr lang="de-DE" dirty="0" err="1"/>
-              <a:t>NoIR</a:t>
-            </a:r>
-            <a:r>
-              <a:rPr lang="de-DE" dirty="0"/>
-              <a:t>)</a:t>
-            </a:r>
-          </a:p>
-          <a:p>
-            <a:r>
-              <a:rPr lang="de-DE" dirty="0"/>
-              <a:t>Motion &amp; </a:t>
-            </a:r>
-            <a:r>
-              <a:rPr lang="de-DE" dirty="0" err="1"/>
-              <a:t>motioneyeOS</a:t>
-            </a:r>
-            <a:endParaRPr lang="de-DE" dirty="0"/>
-          </a:p>
-          <a:p>
-            <a:r>
-              <a:rPr lang="de-DE" dirty="0"/>
-              <a:t>Ggf. alternatives OS oder Installation auf Raspbian (</a:t>
-            </a:r>
-            <a:r>
-              <a:rPr lang="de-DE" dirty="0" err="1"/>
-              <a:t>apt-get</a:t>
-            </a:r>
-            <a:r>
-              <a:rPr lang="de-DE"/>
-              <a:t>)</a:t>
-            </a:r>
-            <a:endParaRPr lang="de-DE" dirty="0"/>
+              <a:t>Ohne IR?</a:t>
+            </a:r>
           </a:p>
         </p:txBody>
       </p:sp>
     </p:spTree>
     <p:extLst>
       <p:ext uri="{BB962C8B-B14F-4D97-AF65-F5344CB8AC3E}">
-        <p14:creationId xmlns:p14="http://schemas.microsoft.com/office/powerpoint/2010/main" val="1419194294"/>
+        <p14:creationId xmlns:p14="http://schemas.microsoft.com/office/powerpoint/2010/main" val="3383427210"/>
       </p:ext>
     </p:extLst>
   </p:cSld>
@@ -7155,7 +7606,7 @@
           <p:cNvPr id="2" name="Titel 1">
             <a:extLst>
               <a:ext uri="{FF2B5EF4-FFF2-40B4-BE49-F238E27FC236}">
-                <a16:creationId xmlns:a16="http://schemas.microsoft.com/office/drawing/2014/main" id="{CF0B3664-F093-47B2-82CD-A59EC86FBF22}"/>
+                <a16:creationId xmlns:a16="http://schemas.microsoft.com/office/drawing/2014/main" id="{0682809E-FA85-40C3-A2B1-8E6441363465}"/>
               </a:ext>
             </a:extLst>
           </p:cNvPr>
@@ -7173,7 +7624,7 @@
           <a:p>
             <a:r>
               <a:rPr lang="de-DE" dirty="0"/>
-              <a:t>DEMO</a:t>
+              <a:t>Bewertung</a:t>
             </a:r>
           </a:p>
         </p:txBody>
@@ -7183,7 +7634,7 @@
           <p:cNvPr id="3" name="Inhaltsplatzhalter 2">
             <a:extLst>
               <a:ext uri="{FF2B5EF4-FFF2-40B4-BE49-F238E27FC236}">
-                <a16:creationId xmlns:a16="http://schemas.microsoft.com/office/drawing/2014/main" id="{B10EEEFB-99D4-434C-9ED4-BE68AC8100C1}"/>
+                <a16:creationId xmlns:a16="http://schemas.microsoft.com/office/drawing/2014/main" id="{B405E94F-51F1-482F-BA1F-CC7EEC867D1D}"/>
               </a:ext>
             </a:extLst>
           </p:cNvPr>
@@ -7191,25 +7642,27 @@
             <a:spLocks noGrp="1"/>
           </p:cNvSpPr>
           <p:nvPr>
-            <p:ph idx="1"/>
+            <p:ph type="body" idx="1"/>
           </p:nvPr>
         </p:nvSpPr>
         <p:spPr/>
         <p:txBody>
-          <a:bodyPr/>
-          <a:lstStyle/>
-          <a:p>
-            <a:r>
-              <a:rPr lang="de-DE" dirty="0"/>
-              <a:t>Ohne IR?</a:t>
-            </a:r>
+          <a:bodyPr>
+            <a:normAutofit/>
+          </a:bodyPr>
+          <a:lstStyle/>
+          <a:p>
+            <a:pPr marL="457200" lvl="1" indent="0">
+              <a:buNone/>
+            </a:pPr>
+            <a:endParaRPr lang="de-DE" dirty="0"/>
           </a:p>
         </p:txBody>
       </p:sp>
     </p:spTree>
     <p:extLst>
       <p:ext uri="{BB962C8B-B14F-4D97-AF65-F5344CB8AC3E}">
-        <p14:creationId xmlns:p14="http://schemas.microsoft.com/office/powerpoint/2010/main" val="3383427210"/>
+        <p14:creationId xmlns:p14="http://schemas.microsoft.com/office/powerpoint/2010/main" val="2023310064"/>
       </p:ext>
     </p:extLst>
   </p:cSld>
@@ -7241,7 +7694,7 @@
           <p:cNvPr id="2" name="Titel 1">
             <a:extLst>
               <a:ext uri="{FF2B5EF4-FFF2-40B4-BE49-F238E27FC236}">
-                <a16:creationId xmlns:a16="http://schemas.microsoft.com/office/drawing/2014/main" id="{0682809E-FA85-40C3-A2B1-8E6441363465}"/>
+                <a16:creationId xmlns:a16="http://schemas.microsoft.com/office/drawing/2014/main" id="{3358F2F4-ECF8-4802-9D38-AE986FEBA3D1}"/>
               </a:ext>
             </a:extLst>
           </p:cNvPr>
@@ -7261,15 +7714,19 @@
               <a:rPr lang="de-DE" dirty="0"/>
               <a:t>Bewertung</a:t>
             </a:r>
-          </a:p>
-        </p:txBody>
-      </p:sp>
-      <p:sp>
-        <p:nvSpPr>
-          <p:cNvPr id="3" name="Inhaltsplatzhalter 2">
+            <a:br>
+              <a:rPr lang="de-DE" dirty="0"/>
+            </a:br>
+            <a:endParaRPr lang="de-DE" dirty="0"/>
+          </a:p>
+        </p:txBody>
+      </p:sp>
+      <p:sp>
+        <p:nvSpPr>
+          <p:cNvPr id="5" name="Inhaltsplatzhalter 4">
             <a:extLst>
               <a:ext uri="{FF2B5EF4-FFF2-40B4-BE49-F238E27FC236}">
-                <a16:creationId xmlns:a16="http://schemas.microsoft.com/office/drawing/2014/main" id="{B405E94F-51F1-482F-BA1F-CC7EEC867D1D}"/>
+                <a16:creationId xmlns:a16="http://schemas.microsoft.com/office/drawing/2014/main" id="{887C1629-4C18-44B0-8E0B-0CCBB2C6FB61}"/>
               </a:ext>
             </a:extLst>
           </p:cNvPr>
@@ -7361,9 +7818,6 @@
             </a:r>
           </a:p>
           <a:p>
-            <a:pPr marL="457200" lvl="1" indent="0">
-              <a:buNone/>
-            </a:pPr>
             <a:endParaRPr lang="de-DE" dirty="0"/>
           </a:p>
         </p:txBody>
@@ -7371,7 +7825,7 @@
     </p:spTree>
     <p:extLst>
       <p:ext uri="{BB962C8B-B14F-4D97-AF65-F5344CB8AC3E}">
-        <p14:creationId xmlns:p14="http://schemas.microsoft.com/office/powerpoint/2010/main" val="2023310064"/>
+        <p14:creationId xmlns:p14="http://schemas.microsoft.com/office/powerpoint/2010/main" val="758659068"/>
       </p:ext>
     </p:extLst>
   </p:cSld>
@@ -7439,12 +7893,14 @@
             <a:spLocks noGrp="1"/>
           </p:cNvSpPr>
           <p:nvPr>
-            <p:ph idx="1"/>
+            <p:ph type="body" idx="1"/>
           </p:nvPr>
         </p:nvSpPr>
         <p:spPr/>
         <p:txBody>
-          <a:bodyPr/>
+          <a:bodyPr>
+            <a:normAutofit fontScale="70000" lnSpcReduction="20000"/>
+          </a:bodyPr>
           <a:lstStyle/>
           <a:p>
             <a:r>

--- a/Praesi.pptx
+++ b/Praesi.pptx
@@ -10,15 +10,18 @@
     <p:sldId id="259" r:id="rId4"/>
     <p:sldId id="260" r:id="rId5"/>
     <p:sldId id="261" r:id="rId6"/>
-    <p:sldId id="262" r:id="rId7"/>
-    <p:sldId id="263" r:id="rId8"/>
-    <p:sldId id="267" r:id="rId9"/>
-    <p:sldId id="264" r:id="rId10"/>
-    <p:sldId id="265" r:id="rId11"/>
-    <p:sldId id="266" r:id="rId12"/>
-    <p:sldId id="269" r:id="rId13"/>
-    <p:sldId id="268" r:id="rId14"/>
-    <p:sldId id="270" r:id="rId15"/>
+    <p:sldId id="272" r:id="rId7"/>
+    <p:sldId id="262" r:id="rId8"/>
+    <p:sldId id="263" r:id="rId9"/>
+    <p:sldId id="267" r:id="rId10"/>
+    <p:sldId id="264" r:id="rId11"/>
+    <p:sldId id="271" r:id="rId12"/>
+    <p:sldId id="273" r:id="rId13"/>
+    <p:sldId id="265" r:id="rId14"/>
+    <p:sldId id="266" r:id="rId15"/>
+    <p:sldId id="269" r:id="rId16"/>
+    <p:sldId id="268" r:id="rId17"/>
+    <p:sldId id="270" r:id="rId18"/>
   </p:sldIdLst>
   <p:sldSz cx="9144000" cy="6858000" type="screen4x3"/>
   <p:notesSz cx="6858000" cy="9144000"/>
@@ -641,7 +644,7 @@
           <a:p>
             <a:fld id="{48A87A34-81AB-432B-8DAE-1953F412C126}" type="datetimeFigureOut">
               <a:rPr lang="en-US" smtClean="0"/>
-              <a:t>3/24/2018</a:t>
+              <a:t>3/26/2018</a:t>
             </a:fld>
             <a:endParaRPr lang="en-US" dirty="0"/>
           </a:p>
@@ -742,7 +745,7 @@
           </a:ln>
           <a:extLst>
             <a:ext uri="{91240B29-F687-4f45-9708-019B960494DF}">
-              <a14:hiddenLine xmlns="" xmlns:a14="http://schemas.microsoft.com/office/drawing/2010/main" w="9525">
+              <a14:hiddenLine xmlns:a14="http://schemas.microsoft.com/office/drawing/2010/main" xmlns="" w="9525">
                 <a:solidFill>
                   <a:srgbClr val="000000"/>
                 </a:solidFill>
@@ -797,7 +800,7 @@
           </a:ln>
           <a:extLst>
             <a:ext uri="{91240B29-F687-4f45-9708-019B960494DF}">
-              <a14:hiddenLine xmlns="" xmlns:a14="http://schemas.microsoft.com/office/drawing/2010/main" w="9525">
+              <a14:hiddenLine xmlns:a14="http://schemas.microsoft.com/office/drawing/2010/main" xmlns="" w="9525">
                 <a:solidFill>
                   <a:srgbClr val="000000"/>
                 </a:solidFill>
@@ -1053,7 +1056,7 @@
             <a:fld id="{48A87A34-81AB-432B-8DAE-1953F412C126}" type="datetimeFigureOut">
               <a:rPr lang="en-US" smtClean="0"/>
               <a:pPr/>
-              <a:t>3/24/2018</a:t>
+              <a:t>3/26/2018</a:t>
             </a:fld>
             <a:endParaRPr lang="en-US" dirty="0"/>
           </a:p>
@@ -1303,7 +1306,7 @@
             <a:fld id="{48A87A34-81AB-432B-8DAE-1953F412C126}" type="datetimeFigureOut">
               <a:rPr lang="en-US" smtClean="0"/>
               <a:pPr/>
-              <a:t>3/24/2018</a:t>
+              <a:t>3/26/2018</a:t>
             </a:fld>
             <a:endParaRPr lang="en-US" dirty="0"/>
           </a:p>
@@ -1845,7 +1848,7 @@
             <a:fld id="{48A87A34-81AB-432B-8DAE-1953F412C126}" type="datetimeFigureOut">
               <a:rPr lang="en-US" smtClean="0"/>
               <a:pPr/>
-              <a:t>3/24/2018</a:t>
+              <a:t>3/26/2018</a:t>
             </a:fld>
             <a:endParaRPr lang="en-US" dirty="0"/>
           </a:p>
@@ -2095,7 +2098,7 @@
             <a:fld id="{48A87A34-81AB-432B-8DAE-1953F412C126}" type="datetimeFigureOut">
               <a:rPr lang="en-US" smtClean="0"/>
               <a:pPr/>
-              <a:t>3/24/2018</a:t>
+              <a:t>3/26/2018</a:t>
             </a:fld>
             <a:endParaRPr lang="en-US" dirty="0"/>
           </a:p>
@@ -2629,7 +2632,7 @@
             <a:fld id="{48A87A34-81AB-432B-8DAE-1953F412C126}" type="datetimeFigureOut">
               <a:rPr lang="en-US" smtClean="0"/>
               <a:pPr/>
-              <a:t>3/24/2018</a:t>
+              <a:t>3/26/2018</a:t>
             </a:fld>
             <a:endParaRPr lang="en-US" dirty="0"/>
           </a:p>
@@ -2928,7 +2931,7 @@
             <a:fld id="{48A87A34-81AB-432B-8DAE-1953F412C126}" type="datetimeFigureOut">
               <a:rPr lang="en-US" smtClean="0"/>
               <a:pPr/>
-              <a:t>3/24/2018</a:t>
+              <a:t>3/26/2018</a:t>
             </a:fld>
             <a:endParaRPr lang="en-US" dirty="0"/>
           </a:p>
@@ -3103,7 +3106,7 @@
           <a:p>
             <a:fld id="{48A87A34-81AB-432B-8DAE-1953F412C126}" type="datetimeFigureOut">
               <a:rPr lang="en-US" smtClean="0"/>
-              <a:t>3/24/2018</a:t>
+              <a:t>3/26/2018</a:t>
             </a:fld>
             <a:endParaRPr lang="en-US" dirty="0"/>
           </a:p>
@@ -3283,7 +3286,7 @@
           <a:p>
             <a:fld id="{48A87A34-81AB-432B-8DAE-1953F412C126}" type="datetimeFigureOut">
               <a:rPr lang="en-US" smtClean="0"/>
-              <a:t>3/24/2018</a:t>
+              <a:t>3/26/2018</a:t>
             </a:fld>
             <a:endParaRPr lang="en-US" dirty="0"/>
           </a:p>
@@ -3468,7 +3471,7 @@
           <a:p>
             <a:fld id="{48A87A34-81AB-432B-8DAE-1953F412C126}" type="datetimeFigureOut">
               <a:rPr lang="en-US" smtClean="0"/>
-              <a:t>3/24/2018</a:t>
+              <a:t>3/26/2018</a:t>
             </a:fld>
             <a:endParaRPr lang="en-US" dirty="0"/>
           </a:p>
@@ -3724,7 +3727,7 @@
           <a:p>
             <a:fld id="{48A87A34-81AB-432B-8DAE-1953F412C126}" type="datetimeFigureOut">
               <a:rPr lang="en-US" smtClean="0"/>
-              <a:t>3/24/2018</a:t>
+              <a:t>3/26/2018</a:t>
             </a:fld>
             <a:endParaRPr lang="en-US" dirty="0"/>
           </a:p>
@@ -4026,7 +4029,7 @@
           <a:p>
             <a:fld id="{48A87A34-81AB-432B-8DAE-1953F412C126}" type="datetimeFigureOut">
               <a:rPr lang="en-US" smtClean="0"/>
-              <a:t>3/24/2018</a:t>
+              <a:t>3/26/2018</a:t>
             </a:fld>
             <a:endParaRPr lang="en-US" dirty="0"/>
           </a:p>
@@ -4468,7 +4471,7 @@
           <a:p>
             <a:fld id="{48A87A34-81AB-432B-8DAE-1953F412C126}" type="datetimeFigureOut">
               <a:rPr lang="en-US" smtClean="0"/>
-              <a:t>3/24/2018</a:t>
+              <a:t>3/26/2018</a:t>
             </a:fld>
             <a:endParaRPr lang="en-US" dirty="0"/>
           </a:p>
@@ -4586,7 +4589,7 @@
           <a:p>
             <a:fld id="{48A87A34-81AB-432B-8DAE-1953F412C126}" type="datetimeFigureOut">
               <a:rPr lang="en-US" smtClean="0"/>
-              <a:t>3/24/2018</a:t>
+              <a:t>3/26/2018</a:t>
             </a:fld>
             <a:endParaRPr lang="en-US" dirty="0"/>
           </a:p>
@@ -4681,7 +4684,7 @@
           <a:p>
             <a:fld id="{48A87A34-81AB-432B-8DAE-1953F412C126}" type="datetimeFigureOut">
               <a:rPr lang="en-US" smtClean="0"/>
-              <a:t>3/24/2018</a:t>
+              <a:t>3/26/2018</a:t>
             </a:fld>
             <a:endParaRPr lang="en-US" dirty="0"/>
           </a:p>
@@ -4964,7 +4967,7 @@
           <a:p>
             <a:fld id="{48A87A34-81AB-432B-8DAE-1953F412C126}" type="datetimeFigureOut">
               <a:rPr lang="en-US" smtClean="0"/>
-              <a:t>3/24/2018</a:t>
+              <a:t>3/26/2018</a:t>
             </a:fld>
             <a:endParaRPr lang="en-US" dirty="0"/>
           </a:p>
@@ -5255,7 +5258,7 @@
           <a:p>
             <a:fld id="{48A87A34-81AB-432B-8DAE-1953F412C126}" type="datetimeFigureOut">
               <a:rPr lang="en-US" smtClean="0"/>
-              <a:t>3/24/2018</a:t>
+              <a:t>3/26/2018</a:t>
             </a:fld>
             <a:endParaRPr lang="en-US" dirty="0"/>
           </a:p>
@@ -5780,7 +5783,7 @@
             <a:fld id="{48A87A34-81AB-432B-8DAE-1953F412C126}" type="datetimeFigureOut">
               <a:rPr lang="en-US" smtClean="0"/>
               <a:pPr/>
-              <a:t>3/24/2018</a:t>
+              <a:t>3/26/2018</a:t>
             </a:fld>
             <a:endParaRPr lang="en-US" dirty="0"/>
           </a:p>
@@ -6446,7 +6449,7 @@
           <p:cNvPr id="2" name="Titel 1">
             <a:extLst>
               <a:ext uri="{FF2B5EF4-FFF2-40B4-BE49-F238E27FC236}">
-                <a16:creationId xmlns:a16="http://schemas.microsoft.com/office/drawing/2014/main" id="{703B054A-F389-4BC0-BB60-00A34E747F8F}"/>
+                <a16:creationId xmlns:a16="http://schemas.microsoft.com/office/drawing/2014/main" id="{B4DCDEAE-4D81-4CCE-BD57-DC2046B051D2}"/>
               </a:ext>
             </a:extLst>
           </p:cNvPr>
@@ -6464,7 +6467,7 @@
           <a:p>
             <a:r>
               <a:rPr lang="de-DE" dirty="0"/>
-              <a:t>Anwendungsbereiche</a:t>
+              <a:t>Unser finaler Prototyp</a:t>
             </a:r>
           </a:p>
         </p:txBody>
@@ -6474,7 +6477,7 @@
           <p:cNvPr id="3" name="Inhaltsplatzhalter 2">
             <a:extLst>
               <a:ext uri="{FF2B5EF4-FFF2-40B4-BE49-F238E27FC236}">
-                <a16:creationId xmlns:a16="http://schemas.microsoft.com/office/drawing/2014/main" id="{608F2853-B791-4713-A934-FEFF7744FDA1}"/>
+                <a16:creationId xmlns:a16="http://schemas.microsoft.com/office/drawing/2014/main" id="{33E90F93-159B-4CF3-B362-0959B343232A}"/>
               </a:ext>
             </a:extLst>
           </p:cNvPr>
@@ -6494,19 +6497,19 @@
           <a:p>
             <a:r>
               <a:rPr lang="de-DE" dirty="0"/>
-              <a:t>Medizin?</a:t>
+              <a:t>Foto /  Video</a:t>
             </a:r>
           </a:p>
           <a:p>
             <a:r>
               <a:rPr lang="de-DE" dirty="0"/>
-              <a:t>Überwachung</a:t>
+              <a:t>Incl. Licht</a:t>
             </a:r>
           </a:p>
           <a:p>
             <a:r>
               <a:rPr lang="de-DE" dirty="0"/>
-              <a:t>Babyfon</a:t>
+              <a:t>Ggf. Audio</a:t>
             </a:r>
           </a:p>
         </p:txBody>
@@ -6514,7 +6517,7 @@
     </p:spTree>
     <p:extLst>
       <p:ext uri="{BB962C8B-B14F-4D97-AF65-F5344CB8AC3E}">
-        <p14:creationId xmlns:p14="http://schemas.microsoft.com/office/powerpoint/2010/main" val="1333556817"/>
+        <p14:creationId xmlns:p14="http://schemas.microsoft.com/office/powerpoint/2010/main" val="2198870449"/>
       </p:ext>
     </p:extLst>
   </p:cSld>
@@ -6543,10 +6546,10 @@
       </p:grpSpPr>
       <p:sp>
         <p:nvSpPr>
-          <p:cNvPr id="2" name="Titel 1">
+          <p:cNvPr id="4" name="Titel 3">
             <a:extLst>
               <a:ext uri="{FF2B5EF4-FFF2-40B4-BE49-F238E27FC236}">
-                <a16:creationId xmlns:a16="http://schemas.microsoft.com/office/drawing/2014/main" id="{D939BFEA-E2E5-43DF-A409-7C262D500E47}"/>
+                <a16:creationId xmlns:a16="http://schemas.microsoft.com/office/drawing/2014/main" id="{FA93C062-42D4-43EF-B7A8-9708E5766A06}"/>
               </a:ext>
             </a:extLst>
           </p:cNvPr>
@@ -6564,42 +6567,362 @@
           <a:p>
             <a:r>
               <a:rPr lang="de-DE" dirty="0"/>
-              <a:t>Erweiterungsideen</a:t>
-            </a:r>
-          </a:p>
-        </p:txBody>
-      </p:sp>
-      <p:sp>
-        <p:nvSpPr>
-          <p:cNvPr id="3" name="Inhaltsplatzhalter 2">
+              <a:t>LED im Testbetrieb</a:t>
+            </a:r>
+          </a:p>
+        </p:txBody>
+      </p:sp>
+      <p:pic>
+        <p:nvPicPr>
+          <p:cNvPr id="7" name="Inhaltsplatzhalter 6">
             <a:extLst>
               <a:ext uri="{FF2B5EF4-FFF2-40B4-BE49-F238E27FC236}">
-                <a16:creationId xmlns:a16="http://schemas.microsoft.com/office/drawing/2014/main" id="{F1FC4072-1899-4A71-96A0-F42BB6268EB1}"/>
+                <a16:creationId xmlns:a16="http://schemas.microsoft.com/office/drawing/2014/main" id="{EB20B10D-FF70-485B-9CB9-488B40C85A1A}"/>
               </a:ext>
             </a:extLst>
           </p:cNvPr>
-          <p:cNvSpPr>
-            <a:spLocks noGrp="1"/>
-          </p:cNvSpPr>
-          <p:nvPr>
-            <p:ph type="body" idx="1"/>
-          </p:nvPr>
-        </p:nvSpPr>
-        <p:spPr/>
+          <p:cNvPicPr>
+            <a:picLocks noGrp="1" noChangeAspect="1"/>
+          </p:cNvPicPr>
+          <p:nvPr>
+            <p:ph idx="1"/>
+          </p:nvPr>
+        </p:nvPicPr>
+        <p:blipFill>
+          <a:blip r:embed="rId2"/>
+          <a:stretch>
+            <a:fillRect/>
+          </a:stretch>
+        </p:blipFill>
+        <p:spPr>
+          <a:xfrm>
+            <a:off x="4030463" y="2495360"/>
+            <a:ext cx="5013014" cy="3914925"/>
+          </a:xfrm>
+        </p:spPr>
+      </p:pic>
+      <p:sp>
+        <p:nvSpPr>
+          <p:cNvPr id="8" name="Rechteck 7">
+            <a:extLst>
+              <a:ext uri="{FF2B5EF4-FFF2-40B4-BE49-F238E27FC236}">
+                <a16:creationId xmlns:a16="http://schemas.microsoft.com/office/drawing/2014/main" id="{AEE60558-C5DF-4174-8556-24F895092DAC}"/>
+              </a:ext>
+            </a:extLst>
+          </p:cNvPr>
+          <p:cNvSpPr/>
+          <p:nvPr/>
+        </p:nvSpPr>
+        <p:spPr>
+          <a:xfrm>
+            <a:off x="1451499" y="6246310"/>
+            <a:ext cx="4572000" cy="1754326"/>
+          </a:xfrm>
+          <a:prstGeom prst="rect">
+            <a:avLst/>
+          </a:prstGeom>
+        </p:spPr>
         <p:txBody>
           <a:bodyPr>
-            <a:normAutofit/>
+            <a:spAutoFit/>
           </a:bodyPr>
           <a:lstStyle/>
           <a:p>
+            <a:r>
+              <a:rPr lang="de-DE" dirty="0">
+                <a:hlinkClick r:id="rId3"/>
+              </a:rPr>
+              <a:t>https://www.computerhilfen.de/info/raspberry-pi-gpio-anschluss-belegung-der-pins.html</a:t>
+            </a:r>
             <a:endParaRPr lang="de-DE" dirty="0"/>
+          </a:p>
+          <a:p>
+            <a:r>
+              <a:rPr lang="de-DE" dirty="0">
+                <a:hlinkClick r:id="rId4"/>
+              </a:rPr>
+              <a:t>https://www.conrad.de/de/ir-emitter-940-nm-50-3-mm-radial-bedrahtet-kingbright-l-934f3c-154394.html</a:t>
+            </a:r>
+            <a:endParaRPr lang="de-DE" dirty="0"/>
+          </a:p>
+          <a:p>
+            <a:endParaRPr lang="de-DE" dirty="0"/>
+          </a:p>
+        </p:txBody>
+      </p:sp>
+      <p:pic>
+        <p:nvPicPr>
+          <p:cNvPr id="10" name="Grafik 9" descr="Ein Bild, das Wasser, drinnen enthält.&#10;&#10;Mit sehr hoher Zuverlässigkeit generierte Beschreibung">
+            <a:extLst>
+              <a:ext uri="{FF2B5EF4-FFF2-40B4-BE49-F238E27FC236}">
+                <a16:creationId xmlns:a16="http://schemas.microsoft.com/office/drawing/2014/main" id="{21C0D65B-5A97-4196-B30C-C8923E877821}"/>
+              </a:ext>
+            </a:extLst>
+          </p:cNvPr>
+          <p:cNvPicPr>
+            <a:picLocks noChangeAspect="1"/>
+          </p:cNvPicPr>
+          <p:nvPr/>
+        </p:nvPicPr>
+        <p:blipFill>
+          <a:blip r:embed="rId5">
+            <a:clrChange>
+              <a:clrFrom>
+                <a:srgbClr val="FFFFFF"/>
+              </a:clrFrom>
+              <a:clrTo>
+                <a:srgbClr val="FFFFFF">
+                  <a:alpha val="0"/>
+                </a:srgbClr>
+              </a:clrTo>
+            </a:clrChange>
+          </a:blip>
+          <a:stretch>
+            <a:fillRect/>
+          </a:stretch>
+        </p:blipFill>
+        <p:spPr>
+          <a:xfrm rot="5400000">
+            <a:off x="66589" y="1992631"/>
+            <a:ext cx="3962399" cy="891540"/>
+          </a:xfrm>
+          <a:prstGeom prst="rect">
+            <a:avLst/>
+          </a:prstGeom>
+        </p:spPr>
+      </p:pic>
+      <p:sp>
+        <p:nvSpPr>
+          <p:cNvPr id="12" name="Freihandform: Form 11">
+            <a:extLst>
+              <a:ext uri="{FF2B5EF4-FFF2-40B4-BE49-F238E27FC236}">
+                <a16:creationId xmlns:a16="http://schemas.microsoft.com/office/drawing/2014/main" id="{1A2F2CA0-8C56-4114-BB64-552FF15D033E}"/>
+              </a:ext>
+            </a:extLst>
+          </p:cNvPr>
+          <p:cNvSpPr/>
+          <p:nvPr/>
+        </p:nvSpPr>
+        <p:spPr>
+          <a:xfrm>
+            <a:off x="2201662" y="2618913"/>
+            <a:ext cx="3151573" cy="1713390"/>
+          </a:xfrm>
+          <a:custGeom>
+            <a:avLst/>
+            <a:gdLst>
+              <a:gd name="connsiteX0" fmla="*/ 0 w 3124940"/>
+              <a:gd name="connsiteY0" fmla="*/ 1713390 h 1713390"/>
+              <a:gd name="connsiteX1" fmla="*/ 1695635 w 3124940"/>
+              <a:gd name="connsiteY1" fmla="*/ 328473 h 1713390"/>
+              <a:gd name="connsiteX2" fmla="*/ 3124940 w 3124940"/>
+              <a:gd name="connsiteY2" fmla="*/ 0 h 1713390"/>
+            </a:gdLst>
+            <a:ahLst/>
+            <a:cxnLst>
+              <a:cxn ang="0">
+                <a:pos x="connsiteX0" y="connsiteY0"/>
+              </a:cxn>
+              <a:cxn ang="0">
+                <a:pos x="connsiteX1" y="connsiteY1"/>
+              </a:cxn>
+              <a:cxn ang="0">
+                <a:pos x="connsiteX2" y="connsiteY2"/>
+              </a:cxn>
+            </a:cxnLst>
+            <a:rect l="l" t="t" r="r" b="b"/>
+            <a:pathLst>
+              <a:path w="3124940" h="1713390">
+                <a:moveTo>
+                  <a:pt x="0" y="1713390"/>
+                </a:moveTo>
+                <a:cubicBezTo>
+                  <a:pt x="587406" y="1163714"/>
+                  <a:pt x="1174812" y="614038"/>
+                  <a:pt x="1695635" y="328473"/>
+                </a:cubicBezTo>
+                <a:cubicBezTo>
+                  <a:pt x="2216458" y="42908"/>
+                  <a:pt x="2929631" y="26633"/>
+                  <a:pt x="3124940" y="0"/>
+                </a:cubicBezTo>
+              </a:path>
+            </a:pathLst>
+          </a:custGeom>
+        </p:spPr>
+        <p:style>
+          <a:lnRef idx="2">
+            <a:schemeClr val="dk1"/>
+          </a:lnRef>
+          <a:fillRef idx="0">
+            <a:schemeClr val="dk1"/>
+          </a:fillRef>
+          <a:effectRef idx="1">
+            <a:schemeClr val="dk1"/>
+          </a:effectRef>
+          <a:fontRef idx="minor">
+            <a:schemeClr val="tx1"/>
+          </a:fontRef>
+        </p:style>
+        <p:txBody>
+          <a:bodyPr rtlCol="0" anchor="ctr"/>
+          <a:lstStyle/>
+          <a:p>
+            <a:pPr algn="ctr"/>
+            <a:endParaRPr lang="de-DE"/>
+          </a:p>
+        </p:txBody>
+      </p:sp>
+      <p:sp>
+        <p:nvSpPr>
+          <p:cNvPr id="15" name="Freihandform: Form 14">
+            <a:extLst>
+              <a:ext uri="{FF2B5EF4-FFF2-40B4-BE49-F238E27FC236}">
+                <a16:creationId xmlns:a16="http://schemas.microsoft.com/office/drawing/2014/main" id="{9ADF5A44-473D-46C0-A6B1-34A859856491}"/>
+              </a:ext>
+            </a:extLst>
+          </p:cNvPr>
+          <p:cNvSpPr/>
+          <p:nvPr/>
+        </p:nvSpPr>
+        <p:spPr>
+          <a:xfrm>
+            <a:off x="1828800" y="3382393"/>
+            <a:ext cx="3524435" cy="1626340"/>
+          </a:xfrm>
+          <a:custGeom>
+            <a:avLst/>
+            <a:gdLst>
+              <a:gd name="connsiteX0" fmla="*/ 0 w 3790765"/>
+              <a:gd name="connsiteY0" fmla="*/ 967666 h 1626340"/>
+              <a:gd name="connsiteX1" fmla="*/ 852256 w 3790765"/>
+              <a:gd name="connsiteY1" fmla="*/ 1589103 h 1626340"/>
+              <a:gd name="connsiteX2" fmla="*/ 3790765 w 3790765"/>
+              <a:gd name="connsiteY2" fmla="*/ 0 h 1626340"/>
+            </a:gdLst>
+            <a:ahLst/>
+            <a:cxnLst>
+              <a:cxn ang="0">
+                <a:pos x="connsiteX0" y="connsiteY0"/>
+              </a:cxn>
+              <a:cxn ang="0">
+                <a:pos x="connsiteX1" y="connsiteY1"/>
+              </a:cxn>
+              <a:cxn ang="0">
+                <a:pos x="connsiteX2" y="connsiteY2"/>
+              </a:cxn>
+            </a:cxnLst>
+            <a:rect l="l" t="t" r="r" b="b"/>
+            <a:pathLst>
+              <a:path w="3790765" h="1626340">
+                <a:moveTo>
+                  <a:pt x="0" y="967666"/>
+                </a:moveTo>
+                <a:cubicBezTo>
+                  <a:pt x="110231" y="1359023"/>
+                  <a:pt x="220462" y="1750381"/>
+                  <a:pt x="852256" y="1589103"/>
+                </a:cubicBezTo>
+                <a:cubicBezTo>
+                  <a:pt x="1484050" y="1427825"/>
+                  <a:pt x="2637407" y="713912"/>
+                  <a:pt x="3790765" y="0"/>
+                </a:cubicBezTo>
+              </a:path>
+            </a:pathLst>
+          </a:custGeom>
+        </p:spPr>
+        <p:style>
+          <a:lnRef idx="2">
+            <a:schemeClr val="dk1"/>
+          </a:lnRef>
+          <a:fillRef idx="0">
+            <a:schemeClr val="dk1"/>
+          </a:fillRef>
+          <a:effectRef idx="1">
+            <a:schemeClr val="dk1"/>
+          </a:effectRef>
+          <a:fontRef idx="minor">
+            <a:schemeClr val="tx1"/>
+          </a:fontRef>
+        </p:style>
+        <p:txBody>
+          <a:bodyPr rot="0" spcFirstLastPara="0" vertOverflow="overflow" horzOverflow="overflow" vert="horz" wrap="square" lIns="91440" tIns="45720" rIns="91440" bIns="45720" numCol="1" spcCol="0" rtlCol="0" fromWordArt="0" anchor="ctr" anchorCtr="0" forceAA="0" compatLnSpc="1">
+            <a:prstTxWarp prst="textNoShape">
+              <a:avLst/>
+            </a:prstTxWarp>
+            <a:noAutofit/>
+          </a:bodyPr>
+          <a:lstStyle/>
+          <a:p>
+            <a:pPr algn="ctr"/>
+            <a:endParaRPr lang="de-DE">
+              <a:ln w="0"/>
+              <a:solidFill>
+                <a:schemeClr val="tx1"/>
+              </a:solidFill>
+              <a:effectLst>
+                <a:outerShdw blurRad="38100" dist="19050" dir="2700000" algn="tl" rotWithShape="0">
+                  <a:schemeClr val="dk1">
+                    <a:alpha val="40000"/>
+                  </a:schemeClr>
+                </a:outerShdw>
+              </a:effectLst>
+            </a:endParaRPr>
+          </a:p>
+        </p:txBody>
+      </p:sp>
+      <p:sp>
+        <p:nvSpPr>
+          <p:cNvPr id="16" name="Rechteck 15">
+            <a:extLst>
+              <a:ext uri="{FF2B5EF4-FFF2-40B4-BE49-F238E27FC236}">
+                <a16:creationId xmlns:a16="http://schemas.microsoft.com/office/drawing/2014/main" id="{A979B4AE-17DC-445C-9756-D85E9F03C9C4}"/>
+              </a:ext>
+            </a:extLst>
+          </p:cNvPr>
+          <p:cNvSpPr/>
+          <p:nvPr/>
+        </p:nvSpPr>
+        <p:spPr>
+          <a:xfrm rot="19824476">
+            <a:off x="2658329" y="4510096"/>
+            <a:ext cx="1207363" cy="310718"/>
+          </a:xfrm>
+          <a:prstGeom prst="rect">
+            <a:avLst/>
+          </a:prstGeom>
+        </p:spPr>
+        <p:style>
+          <a:lnRef idx="2">
+            <a:schemeClr val="dk1"/>
+          </a:lnRef>
+          <a:fillRef idx="1">
+            <a:schemeClr val="lt1"/>
+          </a:fillRef>
+          <a:effectRef idx="0">
+            <a:schemeClr val="dk1"/>
+          </a:effectRef>
+          <a:fontRef idx="minor">
+            <a:schemeClr val="dk1"/>
+          </a:fontRef>
+        </p:style>
+        <p:txBody>
+          <a:bodyPr rtlCol="0" anchor="ctr"/>
+          <a:lstStyle/>
+          <a:p>
+            <a:pPr algn="ctr"/>
+            <a:r>
+              <a:rPr lang="de-DE" dirty="0"/>
+              <a:t>R1</a:t>
+            </a:r>
           </a:p>
         </p:txBody>
       </p:sp>
     </p:spTree>
     <p:extLst>
       <p:ext uri="{BB962C8B-B14F-4D97-AF65-F5344CB8AC3E}">
-        <p14:creationId xmlns:p14="http://schemas.microsoft.com/office/powerpoint/2010/main" val="3365045725"/>
+        <p14:creationId xmlns:p14="http://schemas.microsoft.com/office/powerpoint/2010/main" val="707571854"/>
       </p:ext>
     </p:extLst>
   </p:cSld>
@@ -6631,6 +6954,596 @@
           <p:cNvPr id="4" name="Titel 3">
             <a:extLst>
               <a:ext uri="{FF2B5EF4-FFF2-40B4-BE49-F238E27FC236}">
+                <a16:creationId xmlns:a16="http://schemas.microsoft.com/office/drawing/2014/main" id="{FA93C062-42D4-43EF-B7A8-9708E5766A06}"/>
+              </a:ext>
+            </a:extLst>
+          </p:cNvPr>
+          <p:cNvSpPr>
+            <a:spLocks noGrp="1"/>
+          </p:cNvSpPr>
+          <p:nvPr>
+            <p:ph type="title"/>
+          </p:nvPr>
+        </p:nvSpPr>
+        <p:spPr/>
+        <p:txBody>
+          <a:bodyPr/>
+          <a:lstStyle/>
+          <a:p>
+            <a:r>
+              <a:rPr lang="de-DE" dirty="0"/>
+              <a:t>LED geschaltet</a:t>
+            </a:r>
+          </a:p>
+        </p:txBody>
+      </p:sp>
+      <p:pic>
+        <p:nvPicPr>
+          <p:cNvPr id="7" name="Inhaltsplatzhalter 6">
+            <a:extLst>
+              <a:ext uri="{FF2B5EF4-FFF2-40B4-BE49-F238E27FC236}">
+                <a16:creationId xmlns:a16="http://schemas.microsoft.com/office/drawing/2014/main" id="{EB20B10D-FF70-485B-9CB9-488B40C85A1A}"/>
+              </a:ext>
+            </a:extLst>
+          </p:cNvPr>
+          <p:cNvPicPr>
+            <a:picLocks noGrp="1" noChangeAspect="1"/>
+          </p:cNvPicPr>
+          <p:nvPr>
+            <p:ph idx="1"/>
+          </p:nvPr>
+        </p:nvPicPr>
+        <p:blipFill>
+          <a:blip r:embed="rId2"/>
+          <a:stretch>
+            <a:fillRect/>
+          </a:stretch>
+        </p:blipFill>
+        <p:spPr>
+          <a:xfrm>
+            <a:off x="4030463" y="2495360"/>
+            <a:ext cx="5013014" cy="3914925"/>
+          </a:xfrm>
+        </p:spPr>
+      </p:pic>
+      <p:sp>
+        <p:nvSpPr>
+          <p:cNvPr id="8" name="Rechteck 7">
+            <a:extLst>
+              <a:ext uri="{FF2B5EF4-FFF2-40B4-BE49-F238E27FC236}">
+                <a16:creationId xmlns:a16="http://schemas.microsoft.com/office/drawing/2014/main" id="{AEE60558-C5DF-4174-8556-24F895092DAC}"/>
+              </a:ext>
+            </a:extLst>
+          </p:cNvPr>
+          <p:cNvSpPr/>
+          <p:nvPr/>
+        </p:nvSpPr>
+        <p:spPr>
+          <a:xfrm>
+            <a:off x="1451499" y="6246310"/>
+            <a:ext cx="4572000" cy="1754326"/>
+          </a:xfrm>
+          <a:prstGeom prst="rect">
+            <a:avLst/>
+          </a:prstGeom>
+        </p:spPr>
+        <p:txBody>
+          <a:bodyPr>
+            <a:spAutoFit/>
+          </a:bodyPr>
+          <a:lstStyle/>
+          <a:p>
+            <a:r>
+              <a:rPr lang="de-DE" dirty="0">
+                <a:hlinkClick r:id="rId3"/>
+              </a:rPr>
+              <a:t>https://www.computerhilfen.de/info/raspberry-pi-gpio-anschluss-belegung-der-pins.html</a:t>
+            </a:r>
+            <a:endParaRPr lang="de-DE" dirty="0"/>
+          </a:p>
+          <a:p>
+            <a:r>
+              <a:rPr lang="de-DE" dirty="0">
+                <a:hlinkClick r:id="rId4"/>
+              </a:rPr>
+              <a:t>https://www.conrad.de/de/ir-emitter-940-nm-50-3-mm-radial-bedrahtet-kingbright-l-934f3c-154394.html</a:t>
+            </a:r>
+            <a:endParaRPr lang="de-DE" dirty="0"/>
+          </a:p>
+          <a:p>
+            <a:endParaRPr lang="de-DE" dirty="0"/>
+          </a:p>
+        </p:txBody>
+      </p:sp>
+      <p:pic>
+        <p:nvPicPr>
+          <p:cNvPr id="10" name="Grafik 9" descr="Ein Bild, das Wasser, drinnen enthält.&#10;&#10;Mit sehr hoher Zuverlässigkeit generierte Beschreibung">
+            <a:extLst>
+              <a:ext uri="{FF2B5EF4-FFF2-40B4-BE49-F238E27FC236}">
+                <a16:creationId xmlns:a16="http://schemas.microsoft.com/office/drawing/2014/main" id="{21C0D65B-5A97-4196-B30C-C8923E877821}"/>
+              </a:ext>
+            </a:extLst>
+          </p:cNvPr>
+          <p:cNvPicPr>
+            <a:picLocks noChangeAspect="1"/>
+          </p:cNvPicPr>
+          <p:nvPr/>
+        </p:nvPicPr>
+        <p:blipFill>
+          <a:blip r:embed="rId5">
+            <a:clrChange>
+              <a:clrFrom>
+                <a:srgbClr val="FFFFFF"/>
+              </a:clrFrom>
+              <a:clrTo>
+                <a:srgbClr val="FFFFFF">
+                  <a:alpha val="0"/>
+                </a:srgbClr>
+              </a:clrTo>
+            </a:clrChange>
+          </a:blip>
+          <a:stretch>
+            <a:fillRect/>
+          </a:stretch>
+        </p:blipFill>
+        <p:spPr>
+          <a:xfrm rot="5400000">
+            <a:off x="66589" y="1992631"/>
+            <a:ext cx="3962399" cy="891540"/>
+          </a:xfrm>
+          <a:prstGeom prst="rect">
+            <a:avLst/>
+          </a:prstGeom>
+        </p:spPr>
+      </p:pic>
+      <p:sp>
+        <p:nvSpPr>
+          <p:cNvPr id="12" name="Freihandform: Form 11">
+            <a:extLst>
+              <a:ext uri="{FF2B5EF4-FFF2-40B4-BE49-F238E27FC236}">
+                <a16:creationId xmlns:a16="http://schemas.microsoft.com/office/drawing/2014/main" id="{1A2F2CA0-8C56-4114-BB64-552FF15D033E}"/>
+              </a:ext>
+            </a:extLst>
+          </p:cNvPr>
+          <p:cNvSpPr/>
+          <p:nvPr/>
+        </p:nvSpPr>
+        <p:spPr>
+          <a:xfrm>
+            <a:off x="2201662" y="3204839"/>
+            <a:ext cx="3151573" cy="1127464"/>
+          </a:xfrm>
+          <a:custGeom>
+            <a:avLst/>
+            <a:gdLst>
+              <a:gd name="connsiteX0" fmla="*/ 0 w 3124940"/>
+              <a:gd name="connsiteY0" fmla="*/ 1713390 h 1713390"/>
+              <a:gd name="connsiteX1" fmla="*/ 1695635 w 3124940"/>
+              <a:gd name="connsiteY1" fmla="*/ 328473 h 1713390"/>
+              <a:gd name="connsiteX2" fmla="*/ 3124940 w 3124940"/>
+              <a:gd name="connsiteY2" fmla="*/ 0 h 1713390"/>
+            </a:gdLst>
+            <a:ahLst/>
+            <a:cxnLst>
+              <a:cxn ang="0">
+                <a:pos x="connsiteX0" y="connsiteY0"/>
+              </a:cxn>
+              <a:cxn ang="0">
+                <a:pos x="connsiteX1" y="connsiteY1"/>
+              </a:cxn>
+              <a:cxn ang="0">
+                <a:pos x="connsiteX2" y="connsiteY2"/>
+              </a:cxn>
+            </a:cxnLst>
+            <a:rect l="l" t="t" r="r" b="b"/>
+            <a:pathLst>
+              <a:path w="3124940" h="1713390">
+                <a:moveTo>
+                  <a:pt x="0" y="1713390"/>
+                </a:moveTo>
+                <a:cubicBezTo>
+                  <a:pt x="587406" y="1163714"/>
+                  <a:pt x="1174812" y="614038"/>
+                  <a:pt x="1695635" y="328473"/>
+                </a:cubicBezTo>
+                <a:cubicBezTo>
+                  <a:pt x="2216458" y="42908"/>
+                  <a:pt x="2929631" y="26633"/>
+                  <a:pt x="3124940" y="0"/>
+                </a:cubicBezTo>
+              </a:path>
+            </a:pathLst>
+          </a:custGeom>
+        </p:spPr>
+        <p:style>
+          <a:lnRef idx="2">
+            <a:schemeClr val="dk1"/>
+          </a:lnRef>
+          <a:fillRef idx="0">
+            <a:schemeClr val="dk1"/>
+          </a:fillRef>
+          <a:effectRef idx="1">
+            <a:schemeClr val="dk1"/>
+          </a:effectRef>
+          <a:fontRef idx="minor">
+            <a:schemeClr val="tx1"/>
+          </a:fontRef>
+        </p:style>
+        <p:txBody>
+          <a:bodyPr rtlCol="0" anchor="ctr"/>
+          <a:lstStyle/>
+          <a:p>
+            <a:pPr algn="ctr"/>
+            <a:endParaRPr lang="de-DE"/>
+          </a:p>
+        </p:txBody>
+      </p:sp>
+      <p:sp>
+        <p:nvSpPr>
+          <p:cNvPr id="15" name="Freihandform: Form 14">
+            <a:extLst>
+              <a:ext uri="{FF2B5EF4-FFF2-40B4-BE49-F238E27FC236}">
+                <a16:creationId xmlns:a16="http://schemas.microsoft.com/office/drawing/2014/main" id="{9ADF5A44-473D-46C0-A6B1-34A859856491}"/>
+              </a:ext>
+            </a:extLst>
+          </p:cNvPr>
+          <p:cNvSpPr/>
+          <p:nvPr/>
+        </p:nvSpPr>
+        <p:spPr>
+          <a:xfrm>
+            <a:off x="1828800" y="3382393"/>
+            <a:ext cx="3524435" cy="1626340"/>
+          </a:xfrm>
+          <a:custGeom>
+            <a:avLst/>
+            <a:gdLst>
+              <a:gd name="connsiteX0" fmla="*/ 0 w 3790765"/>
+              <a:gd name="connsiteY0" fmla="*/ 967666 h 1626340"/>
+              <a:gd name="connsiteX1" fmla="*/ 852256 w 3790765"/>
+              <a:gd name="connsiteY1" fmla="*/ 1589103 h 1626340"/>
+              <a:gd name="connsiteX2" fmla="*/ 3790765 w 3790765"/>
+              <a:gd name="connsiteY2" fmla="*/ 0 h 1626340"/>
+            </a:gdLst>
+            <a:ahLst/>
+            <a:cxnLst>
+              <a:cxn ang="0">
+                <a:pos x="connsiteX0" y="connsiteY0"/>
+              </a:cxn>
+              <a:cxn ang="0">
+                <a:pos x="connsiteX1" y="connsiteY1"/>
+              </a:cxn>
+              <a:cxn ang="0">
+                <a:pos x="connsiteX2" y="connsiteY2"/>
+              </a:cxn>
+            </a:cxnLst>
+            <a:rect l="l" t="t" r="r" b="b"/>
+            <a:pathLst>
+              <a:path w="3790765" h="1626340">
+                <a:moveTo>
+                  <a:pt x="0" y="967666"/>
+                </a:moveTo>
+                <a:cubicBezTo>
+                  <a:pt x="110231" y="1359023"/>
+                  <a:pt x="220462" y="1750381"/>
+                  <a:pt x="852256" y="1589103"/>
+                </a:cubicBezTo>
+                <a:cubicBezTo>
+                  <a:pt x="1484050" y="1427825"/>
+                  <a:pt x="2637407" y="713912"/>
+                  <a:pt x="3790765" y="0"/>
+                </a:cubicBezTo>
+              </a:path>
+            </a:pathLst>
+          </a:custGeom>
+        </p:spPr>
+        <p:style>
+          <a:lnRef idx="2">
+            <a:schemeClr val="dk1"/>
+          </a:lnRef>
+          <a:fillRef idx="0">
+            <a:schemeClr val="dk1"/>
+          </a:fillRef>
+          <a:effectRef idx="1">
+            <a:schemeClr val="dk1"/>
+          </a:effectRef>
+          <a:fontRef idx="minor">
+            <a:schemeClr val="tx1"/>
+          </a:fontRef>
+        </p:style>
+        <p:txBody>
+          <a:bodyPr rot="0" spcFirstLastPara="0" vertOverflow="overflow" horzOverflow="overflow" vert="horz" wrap="square" lIns="91440" tIns="45720" rIns="91440" bIns="45720" numCol="1" spcCol="0" rtlCol="0" fromWordArt="0" anchor="ctr" anchorCtr="0" forceAA="0" compatLnSpc="1">
+            <a:prstTxWarp prst="textNoShape">
+              <a:avLst/>
+            </a:prstTxWarp>
+            <a:noAutofit/>
+          </a:bodyPr>
+          <a:lstStyle/>
+          <a:p>
+            <a:pPr algn="ctr"/>
+            <a:endParaRPr lang="de-DE">
+              <a:ln w="0"/>
+              <a:solidFill>
+                <a:schemeClr val="tx1"/>
+              </a:solidFill>
+              <a:effectLst>
+                <a:outerShdw blurRad="38100" dist="19050" dir="2700000" algn="tl" rotWithShape="0">
+                  <a:schemeClr val="dk1">
+                    <a:alpha val="40000"/>
+                  </a:schemeClr>
+                </a:outerShdw>
+              </a:effectLst>
+            </a:endParaRPr>
+          </a:p>
+        </p:txBody>
+      </p:sp>
+      <p:sp>
+        <p:nvSpPr>
+          <p:cNvPr id="16" name="Rechteck 15">
+            <a:extLst>
+              <a:ext uri="{FF2B5EF4-FFF2-40B4-BE49-F238E27FC236}">
+                <a16:creationId xmlns:a16="http://schemas.microsoft.com/office/drawing/2014/main" id="{A979B4AE-17DC-445C-9756-D85E9F03C9C4}"/>
+              </a:ext>
+            </a:extLst>
+          </p:cNvPr>
+          <p:cNvSpPr/>
+          <p:nvPr/>
+        </p:nvSpPr>
+        <p:spPr>
+          <a:xfrm rot="19824476">
+            <a:off x="2658329" y="4510096"/>
+            <a:ext cx="1207363" cy="310718"/>
+          </a:xfrm>
+          <a:prstGeom prst="rect">
+            <a:avLst/>
+          </a:prstGeom>
+        </p:spPr>
+        <p:style>
+          <a:lnRef idx="2">
+            <a:schemeClr val="dk1"/>
+          </a:lnRef>
+          <a:fillRef idx="1">
+            <a:schemeClr val="lt1"/>
+          </a:fillRef>
+          <a:effectRef idx="0">
+            <a:schemeClr val="dk1"/>
+          </a:effectRef>
+          <a:fontRef idx="minor">
+            <a:schemeClr val="dk1"/>
+          </a:fontRef>
+        </p:style>
+        <p:txBody>
+          <a:bodyPr rtlCol="0" anchor="ctr"/>
+          <a:lstStyle/>
+          <a:p>
+            <a:pPr algn="ctr"/>
+            <a:r>
+              <a:rPr lang="de-DE" dirty="0"/>
+              <a:t>R1</a:t>
+            </a:r>
+          </a:p>
+        </p:txBody>
+      </p:sp>
+    </p:spTree>
+    <p:extLst>
+      <p:ext uri="{BB962C8B-B14F-4D97-AF65-F5344CB8AC3E}">
+        <p14:creationId xmlns:p14="http://schemas.microsoft.com/office/powerpoint/2010/main" val="1007165951"/>
+      </p:ext>
+    </p:extLst>
+  </p:cSld>
+  <p:clrMapOvr>
+    <a:masterClrMapping/>
+  </p:clrMapOvr>
+</p:sld>
+</file>
+
+<file path=ppt/slides/slide13.xml><?xml version="1.0" encoding="utf-8"?>
+<p:sld xmlns:a="http://schemas.openxmlformats.org/drawingml/2006/main" xmlns:r="http://schemas.openxmlformats.org/officeDocument/2006/relationships" xmlns:p="http://schemas.openxmlformats.org/presentationml/2006/main">
+  <p:cSld>
+    <p:spTree>
+      <p:nvGrpSpPr>
+        <p:cNvPr id="1" name=""/>
+        <p:cNvGrpSpPr/>
+        <p:nvPr/>
+      </p:nvGrpSpPr>
+      <p:grpSpPr>
+        <a:xfrm>
+          <a:off x="0" y="0"/>
+          <a:ext cx="0" cy="0"/>
+          <a:chOff x="0" y="0"/>
+          <a:chExt cx="0" cy="0"/>
+        </a:xfrm>
+      </p:grpSpPr>
+      <p:sp>
+        <p:nvSpPr>
+          <p:cNvPr id="2" name="Titel 1">
+            <a:extLst>
+              <a:ext uri="{FF2B5EF4-FFF2-40B4-BE49-F238E27FC236}">
+                <a16:creationId xmlns:a16="http://schemas.microsoft.com/office/drawing/2014/main" id="{703B054A-F389-4BC0-BB60-00A34E747F8F}"/>
+              </a:ext>
+            </a:extLst>
+          </p:cNvPr>
+          <p:cNvSpPr>
+            <a:spLocks noGrp="1"/>
+          </p:cNvSpPr>
+          <p:nvPr>
+            <p:ph type="title"/>
+          </p:nvPr>
+        </p:nvSpPr>
+        <p:spPr/>
+        <p:txBody>
+          <a:bodyPr/>
+          <a:lstStyle/>
+          <a:p>
+            <a:r>
+              <a:rPr lang="de-DE" dirty="0"/>
+              <a:t>Anwendungsbereiche</a:t>
+            </a:r>
+          </a:p>
+        </p:txBody>
+      </p:sp>
+      <p:sp>
+        <p:nvSpPr>
+          <p:cNvPr id="3" name="Inhaltsplatzhalter 2">
+            <a:extLst>
+              <a:ext uri="{FF2B5EF4-FFF2-40B4-BE49-F238E27FC236}">
+                <a16:creationId xmlns:a16="http://schemas.microsoft.com/office/drawing/2014/main" id="{608F2853-B791-4713-A934-FEFF7744FDA1}"/>
+              </a:ext>
+            </a:extLst>
+          </p:cNvPr>
+          <p:cNvSpPr>
+            <a:spLocks noGrp="1"/>
+          </p:cNvSpPr>
+          <p:nvPr>
+            <p:ph type="body" idx="1"/>
+          </p:nvPr>
+        </p:nvSpPr>
+        <p:spPr/>
+        <p:txBody>
+          <a:bodyPr>
+            <a:normAutofit fontScale="70000" lnSpcReduction="20000"/>
+          </a:bodyPr>
+          <a:lstStyle/>
+          <a:p>
+            <a:r>
+              <a:rPr lang="de-DE" dirty="0"/>
+              <a:t>Medizin?</a:t>
+            </a:r>
+          </a:p>
+          <a:p>
+            <a:r>
+              <a:rPr lang="de-DE" dirty="0"/>
+              <a:t>Überwachung</a:t>
+            </a:r>
+          </a:p>
+          <a:p>
+            <a:r>
+              <a:rPr lang="de-DE" dirty="0"/>
+              <a:t>Babyfon</a:t>
+            </a:r>
+          </a:p>
+        </p:txBody>
+      </p:sp>
+    </p:spTree>
+    <p:extLst>
+      <p:ext uri="{BB962C8B-B14F-4D97-AF65-F5344CB8AC3E}">
+        <p14:creationId xmlns:p14="http://schemas.microsoft.com/office/powerpoint/2010/main" val="1333556817"/>
+      </p:ext>
+    </p:extLst>
+  </p:cSld>
+  <p:clrMapOvr>
+    <a:masterClrMapping/>
+  </p:clrMapOvr>
+</p:sld>
+</file>
+
+<file path=ppt/slides/slide14.xml><?xml version="1.0" encoding="utf-8"?>
+<p:sld xmlns:a="http://schemas.openxmlformats.org/drawingml/2006/main" xmlns:r="http://schemas.openxmlformats.org/officeDocument/2006/relationships" xmlns:p="http://schemas.openxmlformats.org/presentationml/2006/main">
+  <p:cSld>
+    <p:spTree>
+      <p:nvGrpSpPr>
+        <p:cNvPr id="1" name=""/>
+        <p:cNvGrpSpPr/>
+        <p:nvPr/>
+      </p:nvGrpSpPr>
+      <p:grpSpPr>
+        <a:xfrm>
+          <a:off x="0" y="0"/>
+          <a:ext cx="0" cy="0"/>
+          <a:chOff x="0" y="0"/>
+          <a:chExt cx="0" cy="0"/>
+        </a:xfrm>
+      </p:grpSpPr>
+      <p:sp>
+        <p:nvSpPr>
+          <p:cNvPr id="2" name="Titel 1">
+            <a:extLst>
+              <a:ext uri="{FF2B5EF4-FFF2-40B4-BE49-F238E27FC236}">
+                <a16:creationId xmlns:a16="http://schemas.microsoft.com/office/drawing/2014/main" id="{D939BFEA-E2E5-43DF-A409-7C262D500E47}"/>
+              </a:ext>
+            </a:extLst>
+          </p:cNvPr>
+          <p:cNvSpPr>
+            <a:spLocks noGrp="1"/>
+          </p:cNvSpPr>
+          <p:nvPr>
+            <p:ph type="title"/>
+          </p:nvPr>
+        </p:nvSpPr>
+        <p:spPr/>
+        <p:txBody>
+          <a:bodyPr/>
+          <a:lstStyle/>
+          <a:p>
+            <a:r>
+              <a:rPr lang="de-DE" dirty="0"/>
+              <a:t>Erweiterungsideen</a:t>
+            </a:r>
+          </a:p>
+        </p:txBody>
+      </p:sp>
+      <p:sp>
+        <p:nvSpPr>
+          <p:cNvPr id="3" name="Inhaltsplatzhalter 2">
+            <a:extLst>
+              <a:ext uri="{FF2B5EF4-FFF2-40B4-BE49-F238E27FC236}">
+                <a16:creationId xmlns:a16="http://schemas.microsoft.com/office/drawing/2014/main" id="{F1FC4072-1899-4A71-96A0-F42BB6268EB1}"/>
+              </a:ext>
+            </a:extLst>
+          </p:cNvPr>
+          <p:cNvSpPr>
+            <a:spLocks noGrp="1"/>
+          </p:cNvSpPr>
+          <p:nvPr>
+            <p:ph type="body" idx="1"/>
+          </p:nvPr>
+        </p:nvSpPr>
+        <p:spPr/>
+        <p:txBody>
+          <a:bodyPr>
+            <a:normAutofit/>
+          </a:bodyPr>
+          <a:lstStyle/>
+          <a:p>
+            <a:endParaRPr lang="de-DE" dirty="0"/>
+          </a:p>
+        </p:txBody>
+      </p:sp>
+    </p:spTree>
+    <p:extLst>
+      <p:ext uri="{BB962C8B-B14F-4D97-AF65-F5344CB8AC3E}">
+        <p14:creationId xmlns:p14="http://schemas.microsoft.com/office/powerpoint/2010/main" val="3365045725"/>
+      </p:ext>
+    </p:extLst>
+  </p:cSld>
+  <p:clrMapOvr>
+    <a:masterClrMapping/>
+  </p:clrMapOvr>
+</p:sld>
+</file>
+
+<file path=ppt/slides/slide15.xml><?xml version="1.0" encoding="utf-8"?>
+<p:sld xmlns:a="http://schemas.openxmlformats.org/drawingml/2006/main" xmlns:r="http://schemas.openxmlformats.org/officeDocument/2006/relationships" xmlns:p="http://schemas.openxmlformats.org/presentationml/2006/main">
+  <p:cSld>
+    <p:spTree>
+      <p:nvGrpSpPr>
+        <p:cNvPr id="1" name=""/>
+        <p:cNvGrpSpPr/>
+        <p:nvPr/>
+      </p:nvGrpSpPr>
+      <p:grpSpPr>
+        <a:xfrm>
+          <a:off x="0" y="0"/>
+          <a:ext cx="0" cy="0"/>
+          <a:chOff x="0" y="0"/>
+          <a:chExt cx="0" cy="0"/>
+        </a:xfrm>
+      </p:grpSpPr>
+      <p:sp>
+        <p:nvSpPr>
+          <p:cNvPr id="4" name="Titel 3">
+            <a:extLst>
+              <a:ext uri="{FF2B5EF4-FFF2-40B4-BE49-F238E27FC236}">
                 <a16:creationId xmlns:a16="http://schemas.microsoft.com/office/drawing/2014/main" id="{53AFA258-48B4-415E-8213-6C2A8A883C96}"/>
               </a:ext>
             </a:extLst>
@@ -6647,7 +7560,7 @@
           <a:bodyPr/>
           <a:lstStyle/>
           <a:p>
-            <a:endParaRPr lang="de-DE"/>
+            <a:endParaRPr lang="de-DE" dirty="0"/>
           </a:p>
         </p:txBody>
       </p:sp>
@@ -6754,7 +7667,7 @@
 </p:sld>
 </file>
 
-<file path=ppt/slides/slide13.xml><?xml version="1.0" encoding="utf-8"?>
+<file path=ppt/slides/slide16.xml><?xml version="1.0" encoding="utf-8"?>
 <p:sld xmlns:a="http://schemas.openxmlformats.org/drawingml/2006/main" xmlns:r="http://schemas.openxmlformats.org/officeDocument/2006/relationships" xmlns:p="http://schemas.openxmlformats.org/presentationml/2006/main">
   <p:cSld>
     <p:spTree>
@@ -6963,7 +7876,7 @@
 </p:sld>
 </file>
 
-<file path=ppt/slides/slide14.xml><?xml version="1.0" encoding="utf-8"?>
+<file path=ppt/slides/slide17.xml><?xml version="1.0" encoding="utf-8"?>
 <p:sld xmlns:a="http://schemas.openxmlformats.org/drawingml/2006/main" xmlns:r="http://schemas.openxmlformats.org/officeDocument/2006/relationships" xmlns:p="http://schemas.openxmlformats.org/presentationml/2006/main">
   <p:cSld>
     <p:spTree>
@@ -7517,10 +8430,10 @@
       </p:grpSpPr>
       <p:sp>
         <p:nvSpPr>
-          <p:cNvPr id="2" name="Titel 1">
+          <p:cNvPr id="4" name="Titel 3">
             <a:extLst>
               <a:ext uri="{FF2B5EF4-FFF2-40B4-BE49-F238E27FC236}">
-                <a16:creationId xmlns:a16="http://schemas.microsoft.com/office/drawing/2014/main" id="{CF0B3664-F093-47B2-82CD-A59EC86FBF22}"/>
+                <a16:creationId xmlns:a16="http://schemas.microsoft.com/office/drawing/2014/main" id="{09C15C7E-F4A5-488A-8E8D-3378367DF18D}"/>
               </a:ext>
             </a:extLst>
           </p:cNvPr>
@@ -7538,43 +8451,44 @@
           <a:p>
             <a:r>
               <a:rPr lang="de-DE" dirty="0"/>
-              <a:t>DEMO</a:t>
-            </a:r>
-          </a:p>
-        </p:txBody>
-      </p:sp>
-      <p:sp>
-        <p:nvSpPr>
-          <p:cNvPr id="3" name="Inhaltsplatzhalter 2">
+              <a:t>Pin-Belegung</a:t>
+            </a:r>
+          </a:p>
+        </p:txBody>
+      </p:sp>
+      <p:pic>
+        <p:nvPicPr>
+          <p:cNvPr id="7" name="Inhaltsplatzhalter 6">
             <a:extLst>
               <a:ext uri="{FF2B5EF4-FFF2-40B4-BE49-F238E27FC236}">
-                <a16:creationId xmlns:a16="http://schemas.microsoft.com/office/drawing/2014/main" id="{B10EEEFB-99D4-434C-9ED4-BE68AC8100C1}"/>
+                <a16:creationId xmlns:a16="http://schemas.microsoft.com/office/drawing/2014/main" id="{6533E9D7-CEE3-4E5B-AD88-DE9C2E4C3F2C}"/>
               </a:ext>
             </a:extLst>
           </p:cNvPr>
-          <p:cNvSpPr>
-            <a:spLocks noGrp="1"/>
-          </p:cNvSpPr>
-          <p:nvPr>
-            <p:ph type="body" idx="1"/>
-          </p:nvPr>
-        </p:nvSpPr>
-        <p:spPr/>
-        <p:txBody>
-          <a:bodyPr/>
-          <a:lstStyle/>
-          <a:p>
-            <a:r>
-              <a:rPr lang="de-DE" dirty="0"/>
-              <a:t>Ohne IR?</a:t>
-            </a:r>
-          </a:p>
-        </p:txBody>
-      </p:sp>
+          <p:cNvPicPr>
+            <a:picLocks noGrp="1" noChangeAspect="1"/>
+          </p:cNvPicPr>
+          <p:nvPr>
+            <p:ph idx="1"/>
+          </p:nvPr>
+        </p:nvPicPr>
+        <p:blipFill>
+          <a:blip r:embed="rId2"/>
+          <a:stretch>
+            <a:fillRect/>
+          </a:stretch>
+        </p:blipFill>
+        <p:spPr>
+          <a:xfrm>
+            <a:off x="2701334" y="2667000"/>
+            <a:ext cx="4266794" cy="3332163"/>
+          </a:xfrm>
+        </p:spPr>
+      </p:pic>
     </p:spTree>
     <p:extLst>
       <p:ext uri="{BB962C8B-B14F-4D97-AF65-F5344CB8AC3E}">
-        <p14:creationId xmlns:p14="http://schemas.microsoft.com/office/powerpoint/2010/main" val="3383427210"/>
+        <p14:creationId xmlns:p14="http://schemas.microsoft.com/office/powerpoint/2010/main" val="3183200354"/>
       </p:ext>
     </p:extLst>
   </p:cSld>
@@ -7606,7 +8520,7 @@
           <p:cNvPr id="2" name="Titel 1">
             <a:extLst>
               <a:ext uri="{FF2B5EF4-FFF2-40B4-BE49-F238E27FC236}">
-                <a16:creationId xmlns:a16="http://schemas.microsoft.com/office/drawing/2014/main" id="{0682809E-FA85-40C3-A2B1-8E6441363465}"/>
+                <a16:creationId xmlns:a16="http://schemas.microsoft.com/office/drawing/2014/main" id="{CF0B3664-F093-47B2-82CD-A59EC86FBF22}"/>
               </a:ext>
             </a:extLst>
           </p:cNvPr>
@@ -7624,7 +8538,7 @@
           <a:p>
             <a:r>
               <a:rPr lang="de-DE" dirty="0"/>
-              <a:t>Bewertung</a:t>
+              <a:t>DEMO</a:t>
             </a:r>
           </a:p>
         </p:txBody>
@@ -7634,7 +8548,7 @@
           <p:cNvPr id="3" name="Inhaltsplatzhalter 2">
             <a:extLst>
               <a:ext uri="{FF2B5EF4-FFF2-40B4-BE49-F238E27FC236}">
-                <a16:creationId xmlns:a16="http://schemas.microsoft.com/office/drawing/2014/main" id="{B405E94F-51F1-482F-BA1F-CC7EEC867D1D}"/>
+                <a16:creationId xmlns:a16="http://schemas.microsoft.com/office/drawing/2014/main" id="{B10EEEFB-99D4-434C-9ED4-BE68AC8100C1}"/>
               </a:ext>
             </a:extLst>
           </p:cNvPr>
@@ -7647,22 +8561,20 @@
         </p:nvSpPr>
         <p:spPr/>
         <p:txBody>
-          <a:bodyPr>
-            <a:normAutofit/>
-          </a:bodyPr>
-          <a:lstStyle/>
-          <a:p>
-            <a:pPr marL="457200" lvl="1" indent="0">
-              <a:buNone/>
-            </a:pPr>
-            <a:endParaRPr lang="de-DE" dirty="0"/>
+          <a:bodyPr/>
+          <a:lstStyle/>
+          <a:p>
+            <a:r>
+              <a:rPr lang="de-DE" dirty="0"/>
+              <a:t>Ohne IR?</a:t>
+            </a:r>
           </a:p>
         </p:txBody>
       </p:sp>
     </p:spTree>
     <p:extLst>
       <p:ext uri="{BB962C8B-B14F-4D97-AF65-F5344CB8AC3E}">
-        <p14:creationId xmlns:p14="http://schemas.microsoft.com/office/powerpoint/2010/main" val="2023310064"/>
+        <p14:creationId xmlns:p14="http://schemas.microsoft.com/office/powerpoint/2010/main" val="3383427210"/>
       </p:ext>
     </p:extLst>
   </p:cSld>
@@ -7694,7 +8606,7 @@
           <p:cNvPr id="2" name="Titel 1">
             <a:extLst>
               <a:ext uri="{FF2B5EF4-FFF2-40B4-BE49-F238E27FC236}">
-                <a16:creationId xmlns:a16="http://schemas.microsoft.com/office/drawing/2014/main" id="{3358F2F4-ECF8-4802-9D38-AE986FEBA3D1}"/>
+                <a16:creationId xmlns:a16="http://schemas.microsoft.com/office/drawing/2014/main" id="{0682809E-FA85-40C3-A2B1-8E6441363465}"/>
               </a:ext>
             </a:extLst>
           </p:cNvPr>
@@ -7714,19 +8626,15 @@
               <a:rPr lang="de-DE" dirty="0"/>
               <a:t>Bewertung</a:t>
             </a:r>
-            <a:br>
-              <a:rPr lang="de-DE" dirty="0"/>
-            </a:br>
-            <a:endParaRPr lang="de-DE" dirty="0"/>
-          </a:p>
-        </p:txBody>
-      </p:sp>
-      <p:sp>
-        <p:nvSpPr>
-          <p:cNvPr id="5" name="Inhaltsplatzhalter 4">
+          </a:p>
+        </p:txBody>
+      </p:sp>
+      <p:sp>
+        <p:nvSpPr>
+          <p:cNvPr id="3" name="Inhaltsplatzhalter 2">
             <a:extLst>
               <a:ext uri="{FF2B5EF4-FFF2-40B4-BE49-F238E27FC236}">
-                <a16:creationId xmlns:a16="http://schemas.microsoft.com/office/drawing/2014/main" id="{887C1629-4C18-44B0-8E0B-0CCBB2C6FB61}"/>
+                <a16:creationId xmlns:a16="http://schemas.microsoft.com/office/drawing/2014/main" id="{B405E94F-51F1-482F-BA1F-CC7EEC867D1D}"/>
               </a:ext>
             </a:extLst>
           </p:cNvPr>
@@ -7734,90 +8642,19 @@
             <a:spLocks noGrp="1"/>
           </p:cNvSpPr>
           <p:nvPr>
-            <p:ph idx="1"/>
+            <p:ph type="body" idx="1"/>
           </p:nvPr>
         </p:nvSpPr>
         <p:spPr/>
         <p:txBody>
           <a:bodyPr>
-            <a:normAutofit fontScale="92500" lnSpcReduction="10000"/>
+            <a:normAutofit/>
           </a:bodyPr>
           <a:lstStyle/>
           <a:p>
-            <a:r>
-              <a:rPr lang="de-DE" dirty="0"/>
-              <a:t>IR-Scheinwerfer notwendig?</a:t>
-            </a:r>
-          </a:p>
-          <a:p>
-            <a:r>
-              <a:rPr lang="de-DE" dirty="0"/>
-              <a:t>Hülle sinnvoll (3D-Druck / gekauft / Kamera-Attrappe / … )</a:t>
-            </a:r>
-          </a:p>
-          <a:p>
-            <a:r>
-              <a:rPr lang="de-DE" dirty="0"/>
-              <a:t>Wie gut/schlecht funktioniert </a:t>
-            </a:r>
-            <a:r>
-              <a:rPr lang="de-DE" dirty="0" err="1"/>
-              <a:t>motioneyeOS</a:t>
-            </a:r>
-            <a:r>
-              <a:rPr lang="de-DE" dirty="0"/>
-              <a:t> </a:t>
-            </a:r>
-            <a:br>
-              <a:rPr lang="de-DE" dirty="0"/>
-            </a:br>
-            <a:r>
-              <a:rPr lang="de-DE" dirty="0"/>
-              <a:t>(</a:t>
-            </a:r>
-            <a:r>
-              <a:rPr lang="de-DE" dirty="0" err="1"/>
-              <a:t>Motiondetection</a:t>
-            </a:r>
-            <a:r>
-              <a:rPr lang="de-DE" dirty="0"/>
-              <a:t>, Installation, …)</a:t>
-            </a:r>
-          </a:p>
-          <a:p>
-            <a:r>
-              <a:rPr lang="de-DE" dirty="0"/>
-              <a:t>Performance (Pi3 / Pi </a:t>
-            </a:r>
-            <a:r>
-              <a:rPr lang="de-DE" dirty="0" err="1"/>
-              <a:t>zero</a:t>
-            </a:r>
-            <a:r>
-              <a:rPr lang="de-DE" dirty="0"/>
-              <a:t>)</a:t>
-            </a:r>
-          </a:p>
-          <a:p>
-            <a:r>
-              <a:rPr lang="de-DE" dirty="0"/>
-              <a:t>Was ist wichtig? </a:t>
-            </a:r>
-            <a:br>
-              <a:rPr lang="de-DE" dirty="0"/>
-            </a:br>
-            <a:r>
-              <a:rPr lang="de-DE" dirty="0"/>
-              <a:t>CPU, RAM, Speicher, Bandbreite (WLAN, LAN)</a:t>
-            </a:r>
-          </a:p>
-          <a:p>
-            <a:r>
-              <a:rPr lang="de-DE" dirty="0"/>
-              <a:t>Welche Bildraten sind möglich / notwendig? (Tag/Nacht) 	</a:t>
-            </a:r>
-          </a:p>
-          <a:p>
+            <a:pPr marL="457200" lvl="1" indent="0">
+              <a:buNone/>
+            </a:pPr>
             <a:endParaRPr lang="de-DE" dirty="0"/>
           </a:p>
         </p:txBody>
@@ -7825,7 +8662,7 @@
     </p:spTree>
     <p:extLst>
       <p:ext uri="{BB962C8B-B14F-4D97-AF65-F5344CB8AC3E}">
-        <p14:creationId xmlns:p14="http://schemas.microsoft.com/office/powerpoint/2010/main" val="758659068"/>
+        <p14:creationId xmlns:p14="http://schemas.microsoft.com/office/powerpoint/2010/main" val="2023310064"/>
       </p:ext>
     </p:extLst>
   </p:cSld>
@@ -7857,7 +8694,7 @@
           <p:cNvPr id="2" name="Titel 1">
             <a:extLst>
               <a:ext uri="{FF2B5EF4-FFF2-40B4-BE49-F238E27FC236}">
-                <a16:creationId xmlns:a16="http://schemas.microsoft.com/office/drawing/2014/main" id="{B4DCDEAE-4D81-4CCE-BD57-DC2046B051D2}"/>
+                <a16:creationId xmlns:a16="http://schemas.microsoft.com/office/drawing/2014/main" id="{3358F2F4-ECF8-4802-9D38-AE986FEBA3D1}"/>
               </a:ext>
             </a:extLst>
           </p:cNvPr>
@@ -7875,17 +8712,21 @@
           <a:p>
             <a:r>
               <a:rPr lang="de-DE" dirty="0"/>
-              <a:t>Unser finaler Prototyp</a:t>
-            </a:r>
-          </a:p>
-        </p:txBody>
-      </p:sp>
-      <p:sp>
-        <p:nvSpPr>
-          <p:cNvPr id="3" name="Inhaltsplatzhalter 2">
+              <a:t>Bewertung</a:t>
+            </a:r>
+            <a:br>
+              <a:rPr lang="de-DE" dirty="0"/>
+            </a:br>
+            <a:endParaRPr lang="de-DE" dirty="0"/>
+          </a:p>
+        </p:txBody>
+      </p:sp>
+      <p:sp>
+        <p:nvSpPr>
+          <p:cNvPr id="5" name="Inhaltsplatzhalter 4">
             <a:extLst>
               <a:ext uri="{FF2B5EF4-FFF2-40B4-BE49-F238E27FC236}">
-                <a16:creationId xmlns:a16="http://schemas.microsoft.com/office/drawing/2014/main" id="{33E90F93-159B-4CF3-B362-0959B343232A}"/>
+                <a16:creationId xmlns:a16="http://schemas.microsoft.com/office/drawing/2014/main" id="{887C1629-4C18-44B0-8E0B-0CCBB2C6FB61}"/>
               </a:ext>
             </a:extLst>
           </p:cNvPr>
@@ -7893,39 +8734,98 @@
             <a:spLocks noGrp="1"/>
           </p:cNvSpPr>
           <p:nvPr>
-            <p:ph type="body" idx="1"/>
+            <p:ph idx="1"/>
           </p:nvPr>
         </p:nvSpPr>
         <p:spPr/>
         <p:txBody>
           <a:bodyPr>
-            <a:normAutofit fontScale="70000" lnSpcReduction="20000"/>
+            <a:normAutofit fontScale="92500" lnSpcReduction="10000"/>
           </a:bodyPr>
           <a:lstStyle/>
           <a:p>
             <a:r>
               <a:rPr lang="de-DE" dirty="0"/>
-              <a:t>Foto /  Video</a:t>
+              <a:t>IR-Scheinwerfer notwendig?</a:t>
             </a:r>
           </a:p>
           <a:p>
             <a:r>
               <a:rPr lang="de-DE" dirty="0"/>
-              <a:t>Incl. Licht</a:t>
+              <a:t>Hülle sinnvoll (3D-Druck / gekauft / Kamera-Attrappe / … )</a:t>
             </a:r>
           </a:p>
           <a:p>
             <a:r>
               <a:rPr lang="de-DE" dirty="0"/>
-              <a:t>Ggf. Audio</a:t>
-            </a:r>
+              <a:t>Wie gut/schlecht funktioniert </a:t>
+            </a:r>
+            <a:r>
+              <a:rPr lang="de-DE" dirty="0" err="1"/>
+              <a:t>motioneyeOS</a:t>
+            </a:r>
+            <a:r>
+              <a:rPr lang="de-DE" dirty="0"/>
+              <a:t> </a:t>
+            </a:r>
+            <a:br>
+              <a:rPr lang="de-DE" dirty="0"/>
+            </a:br>
+            <a:r>
+              <a:rPr lang="de-DE" dirty="0"/>
+              <a:t>(</a:t>
+            </a:r>
+            <a:r>
+              <a:rPr lang="de-DE" dirty="0" err="1"/>
+              <a:t>Motiondetection</a:t>
+            </a:r>
+            <a:r>
+              <a:rPr lang="de-DE" dirty="0"/>
+              <a:t>, Installation, …)</a:t>
+            </a:r>
+          </a:p>
+          <a:p>
+            <a:r>
+              <a:rPr lang="de-DE" dirty="0"/>
+              <a:t>Performance (Pi3 / Pi </a:t>
+            </a:r>
+            <a:r>
+              <a:rPr lang="de-DE" dirty="0" err="1"/>
+              <a:t>zero</a:t>
+            </a:r>
+            <a:r>
+              <a:rPr lang="de-DE" dirty="0"/>
+              <a:t>)</a:t>
+            </a:r>
+          </a:p>
+          <a:p>
+            <a:r>
+              <a:rPr lang="de-DE" dirty="0"/>
+              <a:t>Was ist wichtig? </a:t>
+            </a:r>
+            <a:br>
+              <a:rPr lang="de-DE" dirty="0"/>
+            </a:br>
+            <a:r>
+              <a:rPr lang="de-DE" dirty="0"/>
+              <a:t>CPU, RAM, Speicher, Bandbreite (WLAN, LAN)</a:t>
+            </a:r>
+          </a:p>
+          <a:p>
+            <a:r>
+              <a:rPr lang="de-DE" dirty="0"/>
+              <a:t>Welche Bildraten sind möglich / notwendig? (Tag/Nacht) 	</a:t>
+            </a:r>
+          </a:p>
+          <a:p>
+            <a:endParaRPr lang="de-DE" dirty="0"/>
           </a:p>
         </p:txBody>
       </p:sp>
     </p:spTree>
     <p:extLst>
       <p:ext uri="{BB962C8B-B14F-4D97-AF65-F5344CB8AC3E}">
-        <p14:creationId xmlns:p14="http://schemas.microsoft.com/office/powerpoint/2010/main" val="2198870449"/>
+        <p14:creationId xmlns:p14="http://schemas.microsoft.com/office/powerpoint/2010/main" val="758659068"/>
       </p:ext>
     </p:extLst>
   </p:cSld>
